--- a/Python과제/Python_6강.pptx
+++ b/Python과제/Python_6강.pptx
@@ -6,21 +6,27 @@
   </p:sldMasterIdLst>
   <p:sldIdLst>
     <p:sldId id="256" r:id="rId2"/>
-    <p:sldId id="257" r:id="rId3"/>
-    <p:sldId id="258" r:id="rId4"/>
-    <p:sldId id="259" r:id="rId5"/>
-    <p:sldId id="260" r:id="rId6"/>
-    <p:sldId id="261" r:id="rId7"/>
-    <p:sldId id="262" r:id="rId8"/>
-    <p:sldId id="263" r:id="rId9"/>
-    <p:sldId id="265" r:id="rId10"/>
-    <p:sldId id="266" r:id="rId11"/>
-    <p:sldId id="267" r:id="rId12"/>
-    <p:sldId id="268" r:id="rId13"/>
-    <p:sldId id="264" r:id="rId14"/>
-    <p:sldId id="269" r:id="rId15"/>
-    <p:sldId id="270" r:id="rId16"/>
-    <p:sldId id="272" r:id="rId17"/>
+    <p:sldId id="273" r:id="rId3"/>
+    <p:sldId id="271" r:id="rId4"/>
+    <p:sldId id="257" r:id="rId5"/>
+    <p:sldId id="258" r:id="rId6"/>
+    <p:sldId id="259" r:id="rId7"/>
+    <p:sldId id="260" r:id="rId8"/>
+    <p:sldId id="261" r:id="rId9"/>
+    <p:sldId id="262" r:id="rId10"/>
+    <p:sldId id="263" r:id="rId11"/>
+    <p:sldId id="283" r:id="rId12"/>
+    <p:sldId id="265" r:id="rId13"/>
+    <p:sldId id="266" r:id="rId14"/>
+    <p:sldId id="267" r:id="rId15"/>
+    <p:sldId id="284" r:id="rId16"/>
+    <p:sldId id="268" r:id="rId17"/>
+    <p:sldId id="264" r:id="rId18"/>
+    <p:sldId id="269" r:id="rId19"/>
+    <p:sldId id="270" r:id="rId20"/>
+    <p:sldId id="272" r:id="rId21"/>
+    <p:sldId id="281" r:id="rId22"/>
+    <p:sldId id="282" r:id="rId23"/>
   </p:sldIdLst>
   <p:sldSz cx="12192000" cy="6858000"/>
   <p:notesSz cx="6858000" cy="9144000"/>
@@ -127,6 +133,151 @@
 </p:presentation>
 </file>
 
+<file path=ppt/ink/ink1.xml><?xml version="1.0" encoding="utf-8"?>
+<inkml:ink xmlns:inkml="http://www.w3.org/2003/InkML">
+  <inkml:definitions>
+    <inkml:context xml:id="ctx0">
+      <inkml:inkSource xml:id="inkSrc0">
+        <inkml:traceFormat>
+          <inkml:channel name="X" type="integer" min="-2.14748E9" max="2.14748E9" units="cm"/>
+          <inkml:channel name="Y" type="integer" min="-2.14748E9" max="2.14748E9" units="cm"/>
+        </inkml:traceFormat>
+        <inkml:channelProperties>
+          <inkml:channelProperty channel="X" name="resolution" value="1000" units="1/cm"/>
+          <inkml:channelProperty channel="Y" name="resolution" value="1000" units="1/cm"/>
+        </inkml:channelProperties>
+      </inkml:inkSource>
+      <inkml:timestamp xml:id="ts0" timeString="2023-05-05T17:58:57.817"/>
+    </inkml:context>
+    <inkml:brush xml:id="br0">
+      <inkml:brushProperty name="width" value="0.4" units="cm"/>
+      <inkml:brushProperty name="height" value="0.8" units="cm"/>
+      <inkml:brushProperty name="color" value="#C0E494"/>
+      <inkml:brushProperty name="tip" value="rectangle"/>
+      <inkml:brushProperty name="rasterOp" value="maskPen"/>
+      <inkml:brushProperty name="ignorePressure" value="1"/>
+    </inkml:brush>
+  </inkml:definitions>
+  <inkml:trace contextRef="#ctx0" brushRef="#br0">0 0,'6080'0,"-6041"0</inkml:trace>
+</inkml:ink>
+</file>
+
+<file path=ppt/ink/ink2.xml><?xml version="1.0" encoding="utf-8"?>
+<inkml:ink xmlns:inkml="http://www.w3.org/2003/InkML">
+  <inkml:definitions>
+    <inkml:context xml:id="ctx0">
+      <inkml:inkSource xml:id="inkSrc0">
+        <inkml:traceFormat>
+          <inkml:channel name="X" type="integer" min="-2.14748E9" max="2.14748E9" units="cm"/>
+          <inkml:channel name="Y" type="integer" min="-2.14748E9" max="2.14748E9" units="cm"/>
+        </inkml:traceFormat>
+        <inkml:channelProperties>
+          <inkml:channelProperty channel="X" name="resolution" value="1000" units="1/cm"/>
+          <inkml:channelProperty channel="Y" name="resolution" value="1000" units="1/cm"/>
+        </inkml:channelProperties>
+      </inkml:inkSource>
+      <inkml:timestamp xml:id="ts0" timeString="2023-05-05T17:59:08.722"/>
+    </inkml:context>
+    <inkml:brush xml:id="br0">
+      <inkml:brushProperty name="width" value="0.4" units="cm"/>
+      <inkml:brushProperty name="height" value="0.8" units="cm"/>
+      <inkml:brushProperty name="color" value="#C0E494"/>
+      <inkml:brushProperty name="tip" value="rectangle"/>
+      <inkml:brushProperty name="rasterOp" value="maskPen"/>
+      <inkml:brushProperty name="ignorePressure" value="1"/>
+    </inkml:brush>
+  </inkml:definitions>
+  <inkml:trace contextRef="#ctx0" brushRef="#br0">0 1,'4031'0,"-3987"0</inkml:trace>
+</inkml:ink>
+</file>
+
+<file path=ppt/ink/ink3.xml><?xml version="1.0" encoding="utf-8"?>
+<inkml:ink xmlns:inkml="http://www.w3.org/2003/InkML">
+  <inkml:definitions>
+    <inkml:context xml:id="ctx0">
+      <inkml:inkSource xml:id="inkSrc0">
+        <inkml:traceFormat>
+          <inkml:channel name="X" type="integer" min="-2.14748E9" max="2.14748E9" units="cm"/>
+          <inkml:channel name="Y" type="integer" min="-2.14748E9" max="2.14748E9" units="cm"/>
+        </inkml:traceFormat>
+        <inkml:channelProperties>
+          <inkml:channelProperty channel="X" name="resolution" value="1000" units="1/cm"/>
+          <inkml:channelProperty channel="Y" name="resolution" value="1000" units="1/cm"/>
+        </inkml:channelProperties>
+      </inkml:inkSource>
+      <inkml:timestamp xml:id="ts0" timeString="2023-05-05T17:59:23.029"/>
+    </inkml:context>
+    <inkml:brush xml:id="br0">
+      <inkml:brushProperty name="width" value="0.4" units="cm"/>
+      <inkml:brushProperty name="height" value="0.8" units="cm"/>
+      <inkml:brushProperty name="color" value="#C0E494"/>
+      <inkml:brushProperty name="tip" value="rectangle"/>
+      <inkml:brushProperty name="rasterOp" value="maskPen"/>
+      <inkml:brushProperty name="ignorePressure" value="1"/>
+    </inkml:brush>
+  </inkml:definitions>
+  <inkml:trace contextRef="#ctx0" brushRef="#br0">0 0,'9781'0,"-9734"0</inkml:trace>
+</inkml:ink>
+</file>
+
+<file path=ppt/ink/ink4.xml><?xml version="1.0" encoding="utf-8"?>
+<inkml:ink xmlns:inkml="http://www.w3.org/2003/InkML">
+  <inkml:definitions>
+    <inkml:context xml:id="ctx0">
+      <inkml:inkSource xml:id="inkSrc0">
+        <inkml:traceFormat>
+          <inkml:channel name="X" type="integer" min="-2.14748E9" max="2.14748E9" units="cm"/>
+          <inkml:channel name="Y" type="integer" min="-2.14748E9" max="2.14748E9" units="cm"/>
+        </inkml:traceFormat>
+        <inkml:channelProperties>
+          <inkml:channelProperty channel="X" name="resolution" value="1000" units="1/cm"/>
+          <inkml:channelProperty channel="Y" name="resolution" value="1000" units="1/cm"/>
+        </inkml:channelProperties>
+      </inkml:inkSource>
+      <inkml:timestamp xml:id="ts0" timeString="2023-05-05T17:59:33.510"/>
+    </inkml:context>
+    <inkml:brush xml:id="br0">
+      <inkml:brushProperty name="width" value="0.4" units="cm"/>
+      <inkml:brushProperty name="height" value="0.8" units="cm"/>
+      <inkml:brushProperty name="color" value="#C0E494"/>
+      <inkml:brushProperty name="tip" value="rectangle"/>
+      <inkml:brushProperty name="rasterOp" value="maskPen"/>
+      <inkml:brushProperty name="ignorePressure" value="1"/>
+    </inkml:brush>
+  </inkml:definitions>
+  <inkml:trace contextRef="#ctx0" brushRef="#br0">1 0,'2044'0,"-2006"0</inkml:trace>
+</inkml:ink>
+</file>
+
+<file path=ppt/ink/ink5.xml><?xml version="1.0" encoding="utf-8"?>
+<inkml:ink xmlns:inkml="http://www.w3.org/2003/InkML">
+  <inkml:definitions>
+    <inkml:context xml:id="ctx0">
+      <inkml:inkSource xml:id="inkSrc0">
+        <inkml:traceFormat>
+          <inkml:channel name="X" type="integer" min="-2.14748E9" max="2.14748E9" units="cm"/>
+          <inkml:channel name="Y" type="integer" min="-2.14748E9" max="2.14748E9" units="cm"/>
+        </inkml:traceFormat>
+        <inkml:channelProperties>
+          <inkml:channelProperty channel="X" name="resolution" value="1000" units="1/cm"/>
+          <inkml:channelProperty channel="Y" name="resolution" value="1000" units="1/cm"/>
+        </inkml:channelProperties>
+      </inkml:inkSource>
+      <inkml:timestamp xml:id="ts0" timeString="2023-05-05T17:59:52.053"/>
+    </inkml:context>
+    <inkml:brush xml:id="br0">
+      <inkml:brushProperty name="width" value="0.4" units="cm"/>
+      <inkml:brushProperty name="height" value="0.8" units="cm"/>
+      <inkml:brushProperty name="color" value="#C0E494"/>
+      <inkml:brushProperty name="tip" value="rectangle"/>
+      <inkml:brushProperty name="rasterOp" value="maskPen"/>
+      <inkml:brushProperty name="ignorePressure" value="1"/>
+    </inkml:brush>
+  </inkml:definitions>
+  <inkml:trace contextRef="#ctx0" brushRef="#br0">1 1,'4854'0,"-4815"0</inkml:trace>
+</inkml:ink>
+</file>
+
 <file path=ppt/slideLayouts/slideLayout1.xml><?xml version="1.0" encoding="utf-8"?>
 <p:sldLayout xmlns:a="http://schemas.openxmlformats.org/drawingml/2006/main" xmlns:r="http://schemas.openxmlformats.org/officeDocument/2006/relationships" xmlns:p="http://schemas.openxmlformats.org/presentationml/2006/main" type="title" preserve="1">
   <p:cSld name="제목 슬라이드">
@@ -323,7 +474,7 @@
           <a:p>
             <a:fld id="{96DFF08F-DC6B-4601-B491-B0F83F6DD2DA}" type="datetimeFigureOut">
               <a:rPr lang="en-US" smtClean="0"/>
-              <a:t>4/30/2023</a:t>
+              <a:t>5/6/2023</a:t>
             </a:fld>
             <a:endParaRPr lang="en-US" dirty="0"/>
           </a:p>
@@ -544,7 +695,7 @@
           <a:p>
             <a:fld id="{96DFF08F-DC6B-4601-B491-B0F83F6DD2DA}" type="datetimeFigureOut">
               <a:rPr lang="en-US" smtClean="0"/>
-              <a:t>4/30/2023</a:t>
+              <a:t>5/6/2023</a:t>
             </a:fld>
             <a:endParaRPr lang="en-US" dirty="0"/>
           </a:p>
@@ -724,7 +875,7 @@
           <a:p>
             <a:fld id="{96DFF08F-DC6B-4601-B491-B0F83F6DD2DA}" type="datetimeFigureOut">
               <a:rPr lang="en-US" smtClean="0"/>
-              <a:t>4/30/2023</a:t>
+              <a:t>5/6/2023</a:t>
             </a:fld>
             <a:endParaRPr lang="en-US" dirty="0"/>
           </a:p>
@@ -894,7 +1045,7 @@
           <a:p>
             <a:fld id="{96DFF08F-DC6B-4601-B491-B0F83F6DD2DA}" type="datetimeFigureOut">
               <a:rPr lang="en-US" smtClean="0"/>
-              <a:t>4/30/2023</a:t>
+              <a:t>5/6/2023</a:t>
             </a:fld>
             <a:endParaRPr lang="en-US" dirty="0"/>
           </a:p>
@@ -1145,7 +1296,7 @@
           <a:p>
             <a:fld id="{96DFF08F-DC6B-4601-B491-B0F83F6DD2DA}" type="datetimeFigureOut">
               <a:rPr lang="en-US" smtClean="0"/>
-              <a:t>4/30/2023</a:t>
+              <a:t>5/6/2023</a:t>
             </a:fld>
             <a:endParaRPr lang="en-US" dirty="0"/>
           </a:p>
@@ -1468,7 +1619,7 @@
           <a:p>
             <a:fld id="{96DFF08F-DC6B-4601-B491-B0F83F6DD2DA}" type="datetimeFigureOut">
               <a:rPr lang="en-US" smtClean="0"/>
-              <a:t>4/30/2023</a:t>
+              <a:t>5/6/2023</a:t>
             </a:fld>
             <a:endParaRPr lang="en-US" dirty="0"/>
           </a:p>
@@ -1892,7 +2043,7 @@
           <a:p>
             <a:fld id="{96DFF08F-DC6B-4601-B491-B0F83F6DD2DA}" type="datetimeFigureOut">
               <a:rPr lang="en-US" smtClean="0"/>
-              <a:t>4/30/2023</a:t>
+              <a:t>5/6/2023</a:t>
             </a:fld>
             <a:endParaRPr lang="en-US" dirty="0"/>
           </a:p>
@@ -2010,7 +2161,7 @@
           <a:p>
             <a:fld id="{96DFF08F-DC6B-4601-B491-B0F83F6DD2DA}" type="datetimeFigureOut">
               <a:rPr lang="en-US" smtClean="0"/>
-              <a:t>4/30/2023</a:t>
+              <a:t>5/6/2023</a:t>
             </a:fld>
             <a:endParaRPr lang="en-US" dirty="0"/>
           </a:p>
@@ -2105,7 +2256,7 @@
           <a:p>
             <a:fld id="{96DFF08F-DC6B-4601-B491-B0F83F6DD2DA}" type="datetimeFigureOut">
               <a:rPr lang="en-US" smtClean="0"/>
-              <a:t>4/30/2023</a:t>
+              <a:t>5/6/2023</a:t>
             </a:fld>
             <a:endParaRPr lang="en-US" dirty="0"/>
           </a:p>
@@ -2395,7 +2546,7 @@
           <a:p>
             <a:fld id="{96DFF08F-DC6B-4601-B491-B0F83F6DD2DA}" type="datetimeFigureOut">
               <a:rPr lang="en-US" smtClean="0"/>
-              <a:t>4/30/2023</a:t>
+              <a:t>5/6/2023</a:t>
             </a:fld>
             <a:endParaRPr lang="en-US" dirty="0"/>
           </a:p>
@@ -2667,7 +2818,7 @@
           <a:p>
             <a:fld id="{96DFF08F-DC6B-4601-B491-B0F83F6DD2DA}" type="datetimeFigureOut">
               <a:rPr lang="en-US" smtClean="0"/>
-              <a:t>4/30/2023</a:t>
+              <a:t>5/6/2023</a:t>
             </a:fld>
             <a:endParaRPr lang="en-US" dirty="0"/>
           </a:p>
@@ -2922,7 +3073,7 @@
             <a:fld id="{96DFF08F-DC6B-4601-B491-B0F83F6DD2DA}" type="datetimeFigureOut">
               <a:rPr lang="en-US" smtClean="0"/>
               <a:pPr/>
-              <a:t>4/30/2023</a:t>
+              <a:t>5/6/2023</a:t>
             </a:fld>
             <a:endParaRPr lang="en-US" dirty="0"/>
           </a:p>
@@ -3547,6 +3698,461 @@
           <p:cNvPr id="3" name="그림 2">
             <a:extLst>
               <a:ext uri="{FF2B5EF4-FFF2-40B4-BE49-F238E27FC236}">
+                <a16:creationId xmlns:a16="http://schemas.microsoft.com/office/drawing/2014/main" id="{DE21DBB2-61CB-6612-B48D-6AB5380B3C3D}"/>
+              </a:ext>
+            </a:extLst>
+          </p:cNvPr>
+          <p:cNvPicPr>
+            <a:picLocks noChangeAspect="1"/>
+          </p:cNvPicPr>
+          <p:nvPr/>
+        </p:nvPicPr>
+        <p:blipFill>
+          <a:blip r:embed="rId2"/>
+          <a:stretch>
+            <a:fillRect/>
+          </a:stretch>
+        </p:blipFill>
+        <p:spPr>
+          <a:xfrm>
+            <a:off x="458228" y="699610"/>
+            <a:ext cx="11181162" cy="1189962"/>
+          </a:xfrm>
+          <a:prstGeom prst="rect">
+            <a:avLst/>
+          </a:prstGeom>
+        </p:spPr>
+      </p:pic>
+      <p:pic>
+        <p:nvPicPr>
+          <p:cNvPr id="5" name="그림 4">
+            <a:extLst>
+              <a:ext uri="{FF2B5EF4-FFF2-40B4-BE49-F238E27FC236}">
+                <a16:creationId xmlns:a16="http://schemas.microsoft.com/office/drawing/2014/main" id="{ED482752-640D-162E-6A78-F79172E70551}"/>
+              </a:ext>
+            </a:extLst>
+          </p:cNvPr>
+          <p:cNvPicPr>
+            <a:picLocks noChangeAspect="1"/>
+          </p:cNvPicPr>
+          <p:nvPr/>
+        </p:nvPicPr>
+        <p:blipFill>
+          <a:blip r:embed="rId3"/>
+          <a:stretch>
+            <a:fillRect/>
+          </a:stretch>
+        </p:blipFill>
+        <p:spPr>
+          <a:xfrm>
+            <a:off x="458228" y="2109825"/>
+            <a:ext cx="4122429" cy="744329"/>
+          </a:xfrm>
+          <a:prstGeom prst="rect">
+            <a:avLst/>
+          </a:prstGeom>
+        </p:spPr>
+      </p:pic>
+      <p:pic>
+        <p:nvPicPr>
+          <p:cNvPr id="7" name="그림 6">
+            <a:extLst>
+              <a:ext uri="{FF2B5EF4-FFF2-40B4-BE49-F238E27FC236}">
+                <a16:creationId xmlns:a16="http://schemas.microsoft.com/office/drawing/2014/main" id="{CECEDA97-61EA-33C1-6DB7-3DCA8044F308}"/>
+              </a:ext>
+            </a:extLst>
+          </p:cNvPr>
+          <p:cNvPicPr>
+            <a:picLocks noChangeAspect="1"/>
+          </p:cNvPicPr>
+          <p:nvPr/>
+        </p:nvPicPr>
+        <p:blipFill>
+          <a:blip r:embed="rId4"/>
+          <a:stretch>
+            <a:fillRect/>
+          </a:stretch>
+        </p:blipFill>
+        <p:spPr>
+          <a:xfrm>
+            <a:off x="458228" y="3463172"/>
+            <a:ext cx="11181162" cy="1081349"/>
+          </a:xfrm>
+          <a:prstGeom prst="rect">
+            <a:avLst/>
+          </a:prstGeom>
+        </p:spPr>
+      </p:pic>
+      <p:pic>
+        <p:nvPicPr>
+          <p:cNvPr id="9" name="그림 8">
+            <a:extLst>
+              <a:ext uri="{FF2B5EF4-FFF2-40B4-BE49-F238E27FC236}">
+                <a16:creationId xmlns:a16="http://schemas.microsoft.com/office/drawing/2014/main" id="{4A929526-16B6-8C7A-7926-D1F3A7766BBF}"/>
+              </a:ext>
+            </a:extLst>
+          </p:cNvPr>
+          <p:cNvPicPr>
+            <a:picLocks noChangeAspect="1"/>
+          </p:cNvPicPr>
+          <p:nvPr/>
+        </p:nvPicPr>
+        <p:blipFill>
+          <a:blip r:embed="rId5"/>
+          <a:stretch>
+            <a:fillRect/>
+          </a:stretch>
+        </p:blipFill>
+        <p:spPr>
+          <a:xfrm>
+            <a:off x="458228" y="4927835"/>
+            <a:ext cx="6386829" cy="744329"/>
+          </a:xfrm>
+          <a:prstGeom prst="rect">
+            <a:avLst/>
+          </a:prstGeom>
+        </p:spPr>
+      </p:pic>
+    </p:spTree>
+    <p:extLst>
+      <p:ext uri="{BB962C8B-B14F-4D97-AF65-F5344CB8AC3E}">
+        <p14:creationId xmlns:p14="http://schemas.microsoft.com/office/powerpoint/2010/main" val="939321662"/>
+      </p:ext>
+    </p:extLst>
+  </p:cSld>
+  <p:clrMapOvr>
+    <a:masterClrMapping/>
+  </p:clrMapOvr>
+</p:sld>
+</file>
+
+<file path=ppt/slides/slide11.xml><?xml version="1.0" encoding="utf-8"?>
+<p:sld xmlns:a="http://schemas.openxmlformats.org/drawingml/2006/main" xmlns:r="http://schemas.openxmlformats.org/officeDocument/2006/relationships" xmlns:p="http://schemas.openxmlformats.org/presentationml/2006/main">
+  <p:cSld>
+    <p:spTree>
+      <p:nvGrpSpPr>
+        <p:cNvPr id="1" name=""/>
+        <p:cNvGrpSpPr/>
+        <p:nvPr/>
+      </p:nvGrpSpPr>
+      <p:grpSpPr>
+        <a:xfrm>
+          <a:off x="0" y="0"/>
+          <a:ext cx="0" cy="0"/>
+          <a:chOff x="0" y="0"/>
+          <a:chExt cx="0" cy="0"/>
+        </a:xfrm>
+      </p:grpSpPr>
+      <p:sp>
+        <p:nvSpPr>
+          <p:cNvPr id="2" name="TextBox 1">
+            <a:extLst>
+              <a:ext uri="{FF2B5EF4-FFF2-40B4-BE49-F238E27FC236}">
+                <a16:creationId xmlns:a16="http://schemas.microsoft.com/office/drawing/2014/main" id="{6D5E47BA-144B-6E25-E282-8F211ABD5221}"/>
+              </a:ext>
+            </a:extLst>
+          </p:cNvPr>
+          <p:cNvSpPr txBox="1"/>
+          <p:nvPr/>
+        </p:nvSpPr>
+        <p:spPr>
+          <a:xfrm>
+            <a:off x="1139371" y="2610838"/>
+            <a:ext cx="9913258" cy="830997"/>
+          </a:xfrm>
+          <a:prstGeom prst="rect">
+            <a:avLst/>
+          </a:prstGeom>
+          <a:noFill/>
+        </p:spPr>
+        <p:txBody>
+          <a:bodyPr wrap="square" rtlCol="0">
+            <a:spAutoFit/>
+          </a:bodyPr>
+          <a:lstStyle/>
+          <a:p>
+            <a:pPr algn="ctr"/>
+            <a:r>
+              <a:rPr lang="en-US" altLang="ko-KR" sz="4800" b="1" dirty="0">
+                <a:solidFill>
+                  <a:schemeClr val="accent1"/>
+                </a:solidFill>
+                <a:latin typeface="+mn-ea"/>
+              </a:rPr>
+              <a:t>&lt; </a:t>
+            </a:r>
+            <a:r>
+              <a:rPr lang="ko-KR" altLang="en-US" sz="4800" b="1" dirty="0" err="1">
+                <a:solidFill>
+                  <a:schemeClr val="accent1"/>
+                </a:solidFill>
+                <a:latin typeface="+mn-ea"/>
+              </a:rPr>
+              <a:t>제어문</a:t>
+            </a:r>
+            <a:r>
+              <a:rPr lang="ko-KR" altLang="en-US" sz="4800" b="1" dirty="0">
+                <a:solidFill>
+                  <a:schemeClr val="accent1"/>
+                </a:solidFill>
+                <a:latin typeface="+mn-ea"/>
+              </a:rPr>
+              <a:t> </a:t>
+            </a:r>
+            <a:r>
+              <a:rPr lang="en-US" altLang="ko-KR" sz="4800" b="1" dirty="0">
+                <a:solidFill>
+                  <a:schemeClr val="accent1"/>
+                </a:solidFill>
+                <a:latin typeface="+mn-ea"/>
+              </a:rPr>
+              <a:t>&gt;</a:t>
+            </a:r>
+            <a:endParaRPr lang="ko-KR" altLang="en-US" sz="4800" b="1" dirty="0">
+              <a:solidFill>
+                <a:schemeClr val="accent1"/>
+              </a:solidFill>
+              <a:latin typeface="+mn-ea"/>
+            </a:endParaRPr>
+          </a:p>
+        </p:txBody>
+      </p:sp>
+    </p:spTree>
+    <p:extLst>
+      <p:ext uri="{BB962C8B-B14F-4D97-AF65-F5344CB8AC3E}">
+        <p14:creationId xmlns:p14="http://schemas.microsoft.com/office/powerpoint/2010/main" val="2372834692"/>
+      </p:ext>
+    </p:extLst>
+  </p:cSld>
+  <p:clrMapOvr>
+    <a:masterClrMapping/>
+  </p:clrMapOvr>
+</p:sld>
+</file>
+
+<file path=ppt/slides/slide12.xml><?xml version="1.0" encoding="utf-8"?>
+<p:sld xmlns:a="http://schemas.openxmlformats.org/drawingml/2006/main" xmlns:r="http://schemas.openxmlformats.org/officeDocument/2006/relationships" xmlns:p="http://schemas.openxmlformats.org/presentationml/2006/main">
+  <p:cSld>
+    <p:spTree>
+      <p:nvGrpSpPr>
+        <p:cNvPr id="1" name=""/>
+        <p:cNvGrpSpPr/>
+        <p:nvPr/>
+      </p:nvGrpSpPr>
+      <p:grpSpPr>
+        <a:xfrm>
+          <a:off x="0" y="0"/>
+          <a:ext cx="0" cy="0"/>
+          <a:chOff x="0" y="0"/>
+          <a:chExt cx="0" cy="0"/>
+        </a:xfrm>
+      </p:grpSpPr>
+      <p:pic>
+        <p:nvPicPr>
+          <p:cNvPr id="3" name="그림 2">
+            <a:extLst>
+              <a:ext uri="{FF2B5EF4-FFF2-40B4-BE49-F238E27FC236}">
+                <a16:creationId xmlns:a16="http://schemas.microsoft.com/office/drawing/2014/main" id="{C82B039B-BD9B-8DCA-DA34-3AC06483706C}"/>
+              </a:ext>
+            </a:extLst>
+          </p:cNvPr>
+          <p:cNvPicPr>
+            <a:picLocks noChangeAspect="1"/>
+          </p:cNvPicPr>
+          <p:nvPr/>
+        </p:nvPicPr>
+        <p:blipFill>
+          <a:blip r:embed="rId2"/>
+          <a:stretch>
+            <a:fillRect/>
+          </a:stretch>
+        </p:blipFill>
+        <p:spPr>
+          <a:xfrm>
+            <a:off x="371154" y="400615"/>
+            <a:ext cx="8446275" cy="3031547"/>
+          </a:xfrm>
+          <a:prstGeom prst="rect">
+            <a:avLst/>
+          </a:prstGeom>
+        </p:spPr>
+      </p:pic>
+      <p:pic>
+        <p:nvPicPr>
+          <p:cNvPr id="5" name="그림 4">
+            <a:extLst>
+              <a:ext uri="{FF2B5EF4-FFF2-40B4-BE49-F238E27FC236}">
+                <a16:creationId xmlns:a16="http://schemas.microsoft.com/office/drawing/2014/main" id="{688D57F4-7247-F3BB-9127-9C50BB41A7CD}"/>
+              </a:ext>
+            </a:extLst>
+          </p:cNvPr>
+          <p:cNvPicPr>
+            <a:picLocks noChangeAspect="1"/>
+          </p:cNvPicPr>
+          <p:nvPr/>
+        </p:nvPicPr>
+        <p:blipFill>
+          <a:blip r:embed="rId3"/>
+          <a:stretch>
+            <a:fillRect/>
+          </a:stretch>
+        </p:blipFill>
+        <p:spPr>
+          <a:xfrm>
+            <a:off x="371154" y="3402079"/>
+            <a:ext cx="2094460" cy="595268"/>
+          </a:xfrm>
+          <a:prstGeom prst="rect">
+            <a:avLst/>
+          </a:prstGeom>
+        </p:spPr>
+      </p:pic>
+      <p:pic>
+        <p:nvPicPr>
+          <p:cNvPr id="7" name="그림 6">
+            <a:extLst>
+              <a:ext uri="{FF2B5EF4-FFF2-40B4-BE49-F238E27FC236}">
+                <a16:creationId xmlns:a16="http://schemas.microsoft.com/office/drawing/2014/main" id="{36565DE0-DA67-7862-F755-9A6AD0290B98}"/>
+              </a:ext>
+            </a:extLst>
+          </p:cNvPr>
+          <p:cNvPicPr>
+            <a:picLocks noChangeAspect="1"/>
+          </p:cNvPicPr>
+          <p:nvPr/>
+        </p:nvPicPr>
+        <p:blipFill>
+          <a:blip r:embed="rId4"/>
+          <a:stretch>
+            <a:fillRect/>
+          </a:stretch>
+        </p:blipFill>
+        <p:spPr>
+          <a:xfrm>
+            <a:off x="371154" y="4234882"/>
+            <a:ext cx="10552660" cy="1550870"/>
+          </a:xfrm>
+          <a:prstGeom prst="rect">
+            <a:avLst/>
+          </a:prstGeom>
+        </p:spPr>
+      </p:pic>
+      <p:pic>
+        <p:nvPicPr>
+          <p:cNvPr id="9" name="그림 8">
+            <a:extLst>
+              <a:ext uri="{FF2B5EF4-FFF2-40B4-BE49-F238E27FC236}">
+                <a16:creationId xmlns:a16="http://schemas.microsoft.com/office/drawing/2014/main" id="{80CBBA94-7E17-2DBE-70E0-B0791F053918}"/>
+              </a:ext>
+            </a:extLst>
+          </p:cNvPr>
+          <p:cNvPicPr>
+            <a:picLocks noChangeAspect="1"/>
+          </p:cNvPicPr>
+          <p:nvPr/>
+        </p:nvPicPr>
+        <p:blipFill>
+          <a:blip r:embed="rId5"/>
+          <a:stretch>
+            <a:fillRect/>
+          </a:stretch>
+        </p:blipFill>
+        <p:spPr>
+          <a:xfrm>
+            <a:off x="371154" y="5785752"/>
+            <a:ext cx="4951960" cy="582583"/>
+          </a:xfrm>
+          <a:prstGeom prst="rect">
+            <a:avLst/>
+          </a:prstGeom>
+        </p:spPr>
+      </p:pic>
+      <mc:AlternateContent xmlns:mc="http://schemas.openxmlformats.org/markup-compatibility/2006">
+        <mc:Choice xmlns:p14="http://schemas.microsoft.com/office/powerpoint/2010/main" Requires="p14">
+          <p:contentPart p14:bwMode="auto" r:id="rId6">
+            <p14:nvContentPartPr>
+              <p14:cNvPr id="2" name="잉크 1">
+                <a:extLst>
+                  <a:ext uri="{FF2B5EF4-FFF2-40B4-BE49-F238E27FC236}">
+                    <a16:creationId xmlns:a16="http://schemas.microsoft.com/office/drawing/2014/main" id="{4DBF3CE0-4330-87B0-C16F-334C14575B49}"/>
+                  </a:ext>
+                </a:extLst>
+              </p14:cNvPr>
+              <p14:cNvContentPartPr/>
+              <p14:nvPr/>
+            </p14:nvContentPartPr>
+            <p14:xfrm>
+              <a:off x="734374" y="609326"/>
+              <a:ext cx="749880" cy="360"/>
+            </p14:xfrm>
+          </p:contentPart>
+        </mc:Choice>
+        <mc:Fallback>
+          <p:pic>
+            <p:nvPicPr>
+              <p:cNvPr id="2" name="잉크 1">
+                <a:extLst>
+                  <a:ext uri="{FF2B5EF4-FFF2-40B4-BE49-F238E27FC236}">
+                    <a16:creationId xmlns:a16="http://schemas.microsoft.com/office/drawing/2014/main" id="{4DBF3CE0-4330-87B0-C16F-334C14575B49}"/>
+                  </a:ext>
+                </a:extLst>
+              </p:cNvPr>
+              <p:cNvPicPr/>
+              <p:nvPr/>
+            </p:nvPicPr>
+            <p:blipFill>
+              <a:blip r:embed="rId7"/>
+              <a:stretch>
+                <a:fillRect/>
+              </a:stretch>
+            </p:blipFill>
+            <p:spPr>
+              <a:xfrm>
+                <a:off x="662734" y="465326"/>
+                <a:ext cx="893520" cy="288000"/>
+              </a:xfrm>
+              <a:prstGeom prst="rect">
+                <a:avLst/>
+              </a:prstGeom>
+            </p:spPr>
+          </p:pic>
+        </mc:Fallback>
+      </mc:AlternateContent>
+    </p:spTree>
+    <p:extLst>
+      <p:ext uri="{BB962C8B-B14F-4D97-AF65-F5344CB8AC3E}">
+        <p14:creationId xmlns:p14="http://schemas.microsoft.com/office/powerpoint/2010/main" val="3592350033"/>
+      </p:ext>
+    </p:extLst>
+  </p:cSld>
+  <p:clrMapOvr>
+    <a:masterClrMapping/>
+  </p:clrMapOvr>
+</p:sld>
+</file>
+
+<file path=ppt/slides/slide13.xml><?xml version="1.0" encoding="utf-8"?>
+<p:sld xmlns:a="http://schemas.openxmlformats.org/drawingml/2006/main" xmlns:r="http://schemas.openxmlformats.org/officeDocument/2006/relationships" xmlns:p="http://schemas.openxmlformats.org/presentationml/2006/main">
+  <p:cSld>
+    <p:spTree>
+      <p:nvGrpSpPr>
+        <p:cNvPr id="1" name=""/>
+        <p:cNvGrpSpPr/>
+        <p:nvPr/>
+      </p:nvGrpSpPr>
+      <p:grpSpPr>
+        <a:xfrm>
+          <a:off x="0" y="0"/>
+          <a:ext cx="0" cy="0"/>
+          <a:chOff x="0" y="0"/>
+          <a:chExt cx="0" cy="0"/>
+        </a:xfrm>
+      </p:grpSpPr>
+      <p:pic>
+        <p:nvPicPr>
+          <p:cNvPr id="3" name="그림 2">
+            <a:extLst>
+              <a:ext uri="{FF2B5EF4-FFF2-40B4-BE49-F238E27FC236}">
                 <a16:creationId xmlns:a16="http://schemas.microsoft.com/office/drawing/2014/main" id="{22729511-4F78-AB54-EE18-6B171816BF8C}"/>
               </a:ext>
             </a:extLst>
@@ -3615,7 +4221,7 @@
 </p:sld>
 </file>
 
-<file path=ppt/slides/slide11.xml><?xml version="1.0" encoding="utf-8"?>
+<file path=ppt/slides/slide14.xml><?xml version="1.0" encoding="utf-8"?>
 <p:sld xmlns:a="http://schemas.openxmlformats.org/drawingml/2006/main" xmlns:r="http://schemas.openxmlformats.org/officeDocument/2006/relationships" xmlns:p="http://schemas.openxmlformats.org/presentationml/2006/main">
   <p:cSld>
     <p:spTree>
@@ -3705,7 +4311,102 @@
 </p:sld>
 </file>
 
-<file path=ppt/slides/slide12.xml><?xml version="1.0" encoding="utf-8"?>
+<file path=ppt/slides/slide15.xml><?xml version="1.0" encoding="utf-8"?>
+<p:sld xmlns:a="http://schemas.openxmlformats.org/drawingml/2006/main" xmlns:r="http://schemas.openxmlformats.org/officeDocument/2006/relationships" xmlns:p="http://schemas.openxmlformats.org/presentationml/2006/main">
+  <p:cSld>
+    <p:spTree>
+      <p:nvGrpSpPr>
+        <p:cNvPr id="1" name=""/>
+        <p:cNvGrpSpPr/>
+        <p:nvPr/>
+      </p:nvGrpSpPr>
+      <p:grpSpPr>
+        <a:xfrm>
+          <a:off x="0" y="0"/>
+          <a:ext cx="0" cy="0"/>
+          <a:chOff x="0" y="0"/>
+          <a:chExt cx="0" cy="0"/>
+        </a:xfrm>
+      </p:grpSpPr>
+      <p:sp>
+        <p:nvSpPr>
+          <p:cNvPr id="2" name="TextBox 1">
+            <a:extLst>
+              <a:ext uri="{FF2B5EF4-FFF2-40B4-BE49-F238E27FC236}">
+                <a16:creationId xmlns:a16="http://schemas.microsoft.com/office/drawing/2014/main" id="{6D5E47BA-144B-6E25-E282-8F211ABD5221}"/>
+              </a:ext>
+            </a:extLst>
+          </p:cNvPr>
+          <p:cNvSpPr txBox="1"/>
+          <p:nvPr/>
+        </p:nvSpPr>
+        <p:spPr>
+          <a:xfrm>
+            <a:off x="1139371" y="2610838"/>
+            <a:ext cx="9913258" cy="830997"/>
+          </a:xfrm>
+          <a:prstGeom prst="rect">
+            <a:avLst/>
+          </a:prstGeom>
+          <a:noFill/>
+        </p:spPr>
+        <p:txBody>
+          <a:bodyPr wrap="square" rtlCol="0">
+            <a:spAutoFit/>
+          </a:bodyPr>
+          <a:lstStyle/>
+          <a:p>
+            <a:pPr algn="ctr"/>
+            <a:r>
+              <a:rPr lang="en-US" altLang="ko-KR" sz="4800" b="1" dirty="0">
+                <a:solidFill>
+                  <a:schemeClr val="accent1"/>
+                </a:solidFill>
+                <a:latin typeface="+mn-ea"/>
+              </a:rPr>
+              <a:t>&lt; </a:t>
+            </a:r>
+            <a:r>
+              <a:rPr lang="ko-KR" altLang="en-US" sz="4800" b="1" dirty="0">
+                <a:solidFill>
+                  <a:schemeClr val="accent1"/>
+                </a:solidFill>
+                <a:latin typeface="+mn-ea"/>
+              </a:rPr>
+              <a:t>다중반복구조 </a:t>
+            </a:r>
+            <a:r>
+              <a:rPr lang="en-US" altLang="ko-KR" sz="4800" b="1" dirty="0">
+                <a:solidFill>
+                  <a:schemeClr val="accent1"/>
+                </a:solidFill>
+                <a:latin typeface="+mn-ea"/>
+              </a:rPr>
+              <a:t>&gt;</a:t>
+            </a:r>
+            <a:endParaRPr lang="ko-KR" altLang="en-US" sz="4800" b="1" dirty="0">
+              <a:solidFill>
+                <a:schemeClr val="accent1"/>
+              </a:solidFill>
+              <a:latin typeface="+mn-ea"/>
+            </a:endParaRPr>
+          </a:p>
+        </p:txBody>
+      </p:sp>
+    </p:spTree>
+    <p:extLst>
+      <p:ext uri="{BB962C8B-B14F-4D97-AF65-F5344CB8AC3E}">
+        <p14:creationId xmlns:p14="http://schemas.microsoft.com/office/powerpoint/2010/main" val="3447147660"/>
+      </p:ext>
+    </p:extLst>
+  </p:cSld>
+  <p:clrMapOvr>
+    <a:masterClrMapping/>
+  </p:clrMapOvr>
+</p:sld>
+</file>
+
+<file path=ppt/slides/slide16.xml><?xml version="1.0" encoding="utf-8"?>
 <p:sld xmlns:a="http://schemas.openxmlformats.org/drawingml/2006/main" xmlns:r="http://schemas.openxmlformats.org/officeDocument/2006/relationships" xmlns:p="http://schemas.openxmlformats.org/presentationml/2006/main">
   <p:cSld>
     <p:spTree>
@@ -3842,6 +4543,57 @@
           </a:prstGeom>
         </p:spPr>
       </p:pic>
+      <mc:AlternateContent xmlns:mc="http://schemas.openxmlformats.org/markup-compatibility/2006">
+        <mc:Choice xmlns:p14="http://schemas.microsoft.com/office/powerpoint/2010/main" Requires="p14">
+          <p:contentPart p14:bwMode="auto" r:id="rId6">
+            <p14:nvContentPartPr>
+              <p14:cNvPr id="2" name="잉크 1">
+                <a:extLst>
+                  <a:ext uri="{FF2B5EF4-FFF2-40B4-BE49-F238E27FC236}">
+                    <a16:creationId xmlns:a16="http://schemas.microsoft.com/office/drawing/2014/main" id="{180E25E1-3B81-9EE9-C65C-6C2A8ACBFCEB}"/>
+                  </a:ext>
+                </a:extLst>
+              </p14:cNvPr>
+              <p14:cNvContentPartPr/>
+              <p14:nvPr/>
+            </p14:nvContentPartPr>
+            <p14:xfrm>
+              <a:off x="701614" y="592766"/>
+              <a:ext cx="1761840" cy="360"/>
+            </p14:xfrm>
+          </p:contentPart>
+        </mc:Choice>
+        <mc:Fallback>
+          <p:pic>
+            <p:nvPicPr>
+              <p:cNvPr id="2" name="잉크 1">
+                <a:extLst>
+                  <a:ext uri="{FF2B5EF4-FFF2-40B4-BE49-F238E27FC236}">
+                    <a16:creationId xmlns:a16="http://schemas.microsoft.com/office/drawing/2014/main" id="{180E25E1-3B81-9EE9-C65C-6C2A8ACBFCEB}"/>
+                  </a:ext>
+                </a:extLst>
+              </p:cNvPr>
+              <p:cNvPicPr/>
+              <p:nvPr/>
+            </p:nvPicPr>
+            <p:blipFill>
+              <a:blip r:embed="rId7"/>
+              <a:stretch>
+                <a:fillRect/>
+              </a:stretch>
+            </p:blipFill>
+            <p:spPr>
+              <a:xfrm>
+                <a:off x="629974" y="449126"/>
+                <a:ext cx="1905480" cy="288000"/>
+              </a:xfrm>
+              <a:prstGeom prst="rect">
+                <a:avLst/>
+              </a:prstGeom>
+            </p:spPr>
+          </p:pic>
+        </mc:Fallback>
+      </mc:AlternateContent>
     </p:spTree>
     <p:extLst>
       <p:ext uri="{BB962C8B-B14F-4D97-AF65-F5344CB8AC3E}">
@@ -3855,7 +4607,7 @@
 </p:sld>
 </file>
 
-<file path=ppt/slides/slide13.xml><?xml version="1.0" encoding="utf-8"?>
+<file path=ppt/slides/slide17.xml><?xml version="1.0" encoding="utf-8"?>
 <p:sld xmlns:a="http://schemas.openxmlformats.org/drawingml/2006/main" xmlns:r="http://schemas.openxmlformats.org/officeDocument/2006/relationships" xmlns:p="http://schemas.openxmlformats.org/presentationml/2006/main">
   <p:cSld>
     <p:spTree>
@@ -4005,7 +4757,7 @@
 </p:sld>
 </file>
 
-<file path=ppt/slides/slide14.xml><?xml version="1.0" encoding="utf-8"?>
+<file path=ppt/slides/slide18.xml><?xml version="1.0" encoding="utf-8"?>
 <p:sld xmlns:a="http://schemas.openxmlformats.org/drawingml/2006/main" xmlns:r="http://schemas.openxmlformats.org/officeDocument/2006/relationships" xmlns:p="http://schemas.openxmlformats.org/presentationml/2006/main">
   <p:cSld>
     <p:spTree>
@@ -4095,7 +4847,7 @@
 </p:sld>
 </file>
 
-<file path=ppt/slides/slide15.xml><?xml version="1.0" encoding="utf-8"?>
+<file path=ppt/slides/slide19.xml><?xml version="1.0" encoding="utf-8"?>
 <p:sld xmlns:a="http://schemas.openxmlformats.org/drawingml/2006/main" xmlns:r="http://schemas.openxmlformats.org/officeDocument/2006/relationships" xmlns:p="http://schemas.openxmlformats.org/presentationml/2006/main">
   <p:cSld>
     <p:spTree>
@@ -4185,7 +4937,132 @@
 </p:sld>
 </file>
 
-<file path=ppt/slides/slide16.xml><?xml version="1.0" encoding="utf-8"?>
+<file path=ppt/slides/slide2.xml><?xml version="1.0" encoding="utf-8"?>
+<p:sld xmlns:a="http://schemas.openxmlformats.org/drawingml/2006/main" xmlns:r="http://schemas.openxmlformats.org/officeDocument/2006/relationships" xmlns:p="http://schemas.openxmlformats.org/presentationml/2006/main">
+  <p:cSld>
+    <p:spTree>
+      <p:nvGrpSpPr>
+        <p:cNvPr id="1" name=""/>
+        <p:cNvGrpSpPr/>
+        <p:nvPr/>
+      </p:nvGrpSpPr>
+      <p:grpSpPr>
+        <a:xfrm>
+          <a:off x="0" y="0"/>
+          <a:ext cx="0" cy="0"/>
+          <a:chOff x="0" y="0"/>
+          <a:chExt cx="0" cy="0"/>
+        </a:xfrm>
+      </p:grpSpPr>
+      <p:sp>
+        <p:nvSpPr>
+          <p:cNvPr id="2" name="제목 1">
+            <a:extLst>
+              <a:ext uri="{FF2B5EF4-FFF2-40B4-BE49-F238E27FC236}">
+                <a16:creationId xmlns:a16="http://schemas.microsoft.com/office/drawing/2014/main" id="{0E0D856F-4106-A50C-D169-B97267D7C681}"/>
+              </a:ext>
+            </a:extLst>
+          </p:cNvPr>
+          <p:cNvSpPr>
+            <a:spLocks noGrp="1"/>
+          </p:cNvSpPr>
+          <p:nvPr>
+            <p:ph type="title"/>
+          </p:nvPr>
+        </p:nvSpPr>
+        <p:spPr/>
+        <p:txBody>
+          <a:bodyPr/>
+          <a:lstStyle/>
+          <a:p>
+            <a:r>
+              <a:rPr lang="en-US" altLang="ko-KR" b="1" dirty="0"/>
+              <a:t>&lt; </a:t>
+            </a:r>
+            <a:r>
+              <a:rPr lang="ko-KR" altLang="en-US" b="1" dirty="0"/>
+              <a:t>학습 내용 </a:t>
+            </a:r>
+            <a:r>
+              <a:rPr lang="en-US" altLang="ko-KR" b="1" dirty="0"/>
+              <a:t>&gt;</a:t>
+            </a:r>
+            <a:endParaRPr lang="ko-KR" altLang="en-US" b="1" dirty="0"/>
+          </a:p>
+        </p:txBody>
+      </p:sp>
+      <p:sp>
+        <p:nvSpPr>
+          <p:cNvPr id="3" name="세로 텍스트 개체 틀 2">
+            <a:extLst>
+              <a:ext uri="{FF2B5EF4-FFF2-40B4-BE49-F238E27FC236}">
+                <a16:creationId xmlns:a16="http://schemas.microsoft.com/office/drawing/2014/main" id="{29490A46-00F2-4D62-ABCC-029E4074B162}"/>
+              </a:ext>
+            </a:extLst>
+          </p:cNvPr>
+          <p:cNvSpPr>
+            <a:spLocks noGrp="1"/>
+          </p:cNvSpPr>
+          <p:nvPr>
+            <p:ph type="body" orient="vert" idx="1"/>
+          </p:nvPr>
+        </p:nvSpPr>
+        <p:spPr/>
+        <p:txBody>
+          <a:bodyPr vert="horz">
+            <a:normAutofit/>
+          </a:bodyPr>
+          <a:lstStyle/>
+          <a:p>
+            <a:r>
+              <a:rPr lang="en-US" altLang="ko-KR" sz="4000" dirty="0"/>
+              <a:t> </a:t>
+            </a:r>
+            <a:r>
+              <a:rPr lang="ko-KR" altLang="en-US" sz="4000" dirty="0" err="1"/>
+              <a:t>반복문</a:t>
+            </a:r>
+            <a:endParaRPr lang="en-US" altLang="ko-KR" sz="4000" dirty="0"/>
+          </a:p>
+          <a:p>
+            <a:endParaRPr lang="en-US" altLang="ko-KR" sz="4000" dirty="0"/>
+          </a:p>
+          <a:p>
+            <a:r>
+              <a:rPr lang="ko-KR" altLang="en-US" sz="4000" dirty="0"/>
+              <a:t> </a:t>
+            </a:r>
+            <a:r>
+              <a:rPr lang="ko-KR" altLang="en-US" sz="4000" dirty="0" err="1"/>
+              <a:t>제어문</a:t>
+            </a:r>
+            <a:endParaRPr lang="en-US" altLang="ko-KR" sz="4000" dirty="0"/>
+          </a:p>
+          <a:p>
+            <a:endParaRPr lang="en-US" altLang="ko-KR" sz="4000" dirty="0"/>
+          </a:p>
+          <a:p>
+            <a:r>
+              <a:rPr lang="ko-KR" altLang="en-US" sz="4000" dirty="0"/>
+              <a:t> 다중반복구조</a:t>
+            </a:r>
+          </a:p>
+        </p:txBody>
+      </p:sp>
+    </p:spTree>
+    <p:extLst>
+      <p:ext uri="{BB962C8B-B14F-4D97-AF65-F5344CB8AC3E}">
+        <p14:creationId xmlns:p14="http://schemas.microsoft.com/office/powerpoint/2010/main" val="618819181"/>
+      </p:ext>
+    </p:extLst>
+  </p:cSld>
+  <p:clrMapOvr>
+    <a:masterClrMapping/>
+  </p:clrMapOvr>
+</p:sld>
+</file>
+
+<file path=ppt/slides/slide20.xml><?xml version="1.0" encoding="utf-8"?>
 <p:sld xmlns:a="http://schemas.openxmlformats.org/drawingml/2006/main" xmlns:r="http://schemas.openxmlformats.org/officeDocument/2006/relationships" xmlns:p="http://schemas.openxmlformats.org/presentationml/2006/main">
   <p:cSld>
     <p:spTree>
@@ -4275,7 +5152,266 @@
 </p:sld>
 </file>
 
-<file path=ppt/slides/slide2.xml><?xml version="1.0" encoding="utf-8"?>
+<file path=ppt/slides/slide21.xml><?xml version="1.0" encoding="utf-8"?>
+<p:sld xmlns:a="http://schemas.openxmlformats.org/drawingml/2006/main" xmlns:r="http://schemas.openxmlformats.org/officeDocument/2006/relationships" xmlns:p="http://schemas.openxmlformats.org/presentationml/2006/main">
+  <p:cSld>
+    <p:spTree>
+      <p:nvGrpSpPr>
+        <p:cNvPr id="1" name=""/>
+        <p:cNvGrpSpPr/>
+        <p:nvPr/>
+      </p:nvGrpSpPr>
+      <p:grpSpPr>
+        <a:xfrm>
+          <a:off x="0" y="0"/>
+          <a:ext cx="0" cy="0"/>
+          <a:chOff x="0" y="0"/>
+          <a:chExt cx="0" cy="0"/>
+        </a:xfrm>
+      </p:grpSpPr>
+      <p:sp>
+        <p:nvSpPr>
+          <p:cNvPr id="2" name="TextBox 1">
+            <a:extLst>
+              <a:ext uri="{FF2B5EF4-FFF2-40B4-BE49-F238E27FC236}">
+                <a16:creationId xmlns:a16="http://schemas.microsoft.com/office/drawing/2014/main" id="{6D5E47BA-144B-6E25-E282-8F211ABD5221}"/>
+              </a:ext>
+            </a:extLst>
+          </p:cNvPr>
+          <p:cNvSpPr txBox="1"/>
+          <p:nvPr/>
+        </p:nvSpPr>
+        <p:spPr>
+          <a:xfrm>
+            <a:off x="1139371" y="2610838"/>
+            <a:ext cx="9913258" cy="830997"/>
+          </a:xfrm>
+          <a:prstGeom prst="rect">
+            <a:avLst/>
+          </a:prstGeom>
+          <a:noFill/>
+        </p:spPr>
+        <p:txBody>
+          <a:bodyPr wrap="square" rtlCol="0">
+            <a:spAutoFit/>
+          </a:bodyPr>
+          <a:lstStyle/>
+          <a:p>
+            <a:pPr algn="ctr"/>
+            <a:r>
+              <a:rPr lang="en-US" altLang="ko-KR" sz="4800" b="1" dirty="0">
+                <a:solidFill>
+                  <a:schemeClr val="accent1"/>
+                </a:solidFill>
+                <a:latin typeface="+mn-ea"/>
+              </a:rPr>
+              <a:t>&lt; </a:t>
+            </a:r>
+            <a:r>
+              <a:rPr lang="ko-KR" altLang="en-US" sz="4800" b="1" dirty="0">
+                <a:solidFill>
+                  <a:schemeClr val="accent1"/>
+                </a:solidFill>
+                <a:latin typeface="+mn-ea"/>
+              </a:rPr>
+              <a:t>정리하기 </a:t>
+            </a:r>
+            <a:r>
+              <a:rPr lang="en-US" altLang="ko-KR" sz="4800" b="1" dirty="0">
+                <a:solidFill>
+                  <a:schemeClr val="accent1"/>
+                </a:solidFill>
+                <a:latin typeface="+mn-ea"/>
+              </a:rPr>
+              <a:t>&gt;</a:t>
+            </a:r>
+            <a:endParaRPr lang="ko-KR" altLang="en-US" sz="4800" b="1" dirty="0">
+              <a:solidFill>
+                <a:schemeClr val="accent1"/>
+              </a:solidFill>
+              <a:latin typeface="+mn-ea"/>
+            </a:endParaRPr>
+          </a:p>
+        </p:txBody>
+      </p:sp>
+    </p:spTree>
+    <p:extLst>
+      <p:ext uri="{BB962C8B-B14F-4D97-AF65-F5344CB8AC3E}">
+        <p14:creationId xmlns:p14="http://schemas.microsoft.com/office/powerpoint/2010/main" val="3896227482"/>
+      </p:ext>
+    </p:extLst>
+  </p:cSld>
+  <p:clrMapOvr>
+    <a:masterClrMapping/>
+  </p:clrMapOvr>
+</p:sld>
+</file>
+
+<file path=ppt/slides/slide22.xml><?xml version="1.0" encoding="utf-8"?>
+<p:sld xmlns:a="http://schemas.openxmlformats.org/drawingml/2006/main" xmlns:r="http://schemas.openxmlformats.org/officeDocument/2006/relationships" xmlns:p="http://schemas.openxmlformats.org/presentationml/2006/main">
+  <p:cSld>
+    <p:spTree>
+      <p:nvGrpSpPr>
+        <p:cNvPr id="1" name=""/>
+        <p:cNvGrpSpPr/>
+        <p:nvPr/>
+      </p:nvGrpSpPr>
+      <p:grpSpPr>
+        <a:xfrm>
+          <a:off x="0" y="0"/>
+          <a:ext cx="0" cy="0"/>
+          <a:chOff x="0" y="0"/>
+          <a:chExt cx="0" cy="0"/>
+        </a:xfrm>
+      </p:grpSpPr>
+      <p:pic>
+        <p:nvPicPr>
+          <p:cNvPr id="3" name="그림 2">
+            <a:extLst>
+              <a:ext uri="{FF2B5EF4-FFF2-40B4-BE49-F238E27FC236}">
+                <a16:creationId xmlns:a16="http://schemas.microsoft.com/office/drawing/2014/main" id="{EC5D2554-54EC-C0B3-73A7-2EEE1DDD8DCE}"/>
+              </a:ext>
+            </a:extLst>
+          </p:cNvPr>
+          <p:cNvPicPr>
+            <a:picLocks noChangeAspect="1"/>
+          </p:cNvPicPr>
+          <p:nvPr/>
+        </p:nvPicPr>
+        <p:blipFill>
+          <a:blip r:embed="rId2"/>
+          <a:stretch>
+            <a:fillRect/>
+          </a:stretch>
+        </p:blipFill>
+        <p:spPr>
+          <a:xfrm>
+            <a:off x="387483" y="378088"/>
+            <a:ext cx="10332492" cy="6088025"/>
+          </a:xfrm>
+          <a:prstGeom prst="rect">
+            <a:avLst/>
+          </a:prstGeom>
+        </p:spPr>
+      </p:pic>
+    </p:spTree>
+    <p:extLst>
+      <p:ext uri="{BB962C8B-B14F-4D97-AF65-F5344CB8AC3E}">
+        <p14:creationId xmlns:p14="http://schemas.microsoft.com/office/powerpoint/2010/main" val="2378691229"/>
+      </p:ext>
+    </p:extLst>
+  </p:cSld>
+  <p:clrMapOvr>
+    <a:masterClrMapping/>
+  </p:clrMapOvr>
+</p:sld>
+</file>
+
+<file path=ppt/slides/slide3.xml><?xml version="1.0" encoding="utf-8"?>
+<p:sld xmlns:a="http://schemas.openxmlformats.org/drawingml/2006/main" xmlns:r="http://schemas.openxmlformats.org/officeDocument/2006/relationships" xmlns:p="http://schemas.openxmlformats.org/presentationml/2006/main">
+  <p:cSld>
+    <p:spTree>
+      <p:nvGrpSpPr>
+        <p:cNvPr id="1" name=""/>
+        <p:cNvGrpSpPr/>
+        <p:nvPr/>
+      </p:nvGrpSpPr>
+      <p:grpSpPr>
+        <a:xfrm>
+          <a:off x="0" y="0"/>
+          <a:ext cx="0" cy="0"/>
+          <a:chOff x="0" y="0"/>
+          <a:chExt cx="0" cy="0"/>
+        </a:xfrm>
+      </p:grpSpPr>
+      <p:sp>
+        <p:nvSpPr>
+          <p:cNvPr id="2" name="TextBox 1">
+            <a:extLst>
+              <a:ext uri="{FF2B5EF4-FFF2-40B4-BE49-F238E27FC236}">
+                <a16:creationId xmlns:a16="http://schemas.microsoft.com/office/drawing/2014/main" id="{6D5E47BA-144B-6E25-E282-8F211ABD5221}"/>
+              </a:ext>
+            </a:extLst>
+          </p:cNvPr>
+          <p:cNvSpPr txBox="1"/>
+          <p:nvPr/>
+        </p:nvSpPr>
+        <p:spPr>
+          <a:xfrm>
+            <a:off x="1139371" y="2610838"/>
+            <a:ext cx="9913258" cy="830997"/>
+          </a:xfrm>
+          <a:prstGeom prst="rect">
+            <a:avLst/>
+          </a:prstGeom>
+          <a:noFill/>
+        </p:spPr>
+        <p:txBody>
+          <a:bodyPr wrap="square" rtlCol="0">
+            <a:spAutoFit/>
+          </a:bodyPr>
+          <a:lstStyle/>
+          <a:p>
+            <a:pPr algn="ctr"/>
+            <a:r>
+              <a:rPr lang="en-US" altLang="ko-KR" sz="4800" b="1" dirty="0">
+                <a:solidFill>
+                  <a:schemeClr val="accent1"/>
+                </a:solidFill>
+                <a:latin typeface="+mn-ea"/>
+              </a:rPr>
+              <a:t>&lt; </a:t>
+            </a:r>
+            <a:r>
+              <a:rPr lang="ko-KR" altLang="en-US" sz="4800" b="1" dirty="0" err="1">
+                <a:solidFill>
+                  <a:schemeClr val="accent1"/>
+                </a:solidFill>
+                <a:latin typeface="+mn-ea"/>
+              </a:rPr>
+              <a:t>반복문</a:t>
+            </a:r>
+            <a:r>
+              <a:rPr lang="ko-KR" altLang="en-US" sz="4800" b="1" dirty="0">
+                <a:solidFill>
+                  <a:schemeClr val="accent1"/>
+                </a:solidFill>
+                <a:latin typeface="+mn-ea"/>
+              </a:rPr>
+              <a:t> </a:t>
+            </a:r>
+            <a:r>
+              <a:rPr lang="en-US" altLang="ko-KR" sz="4800" b="1" dirty="0">
+                <a:solidFill>
+                  <a:schemeClr val="accent1"/>
+                </a:solidFill>
+                <a:latin typeface="+mn-ea"/>
+              </a:rPr>
+              <a:t>&gt;</a:t>
+            </a:r>
+            <a:endParaRPr lang="ko-KR" altLang="en-US" sz="4800" b="1" dirty="0">
+              <a:solidFill>
+                <a:schemeClr val="accent1"/>
+              </a:solidFill>
+              <a:latin typeface="+mn-ea"/>
+            </a:endParaRPr>
+          </a:p>
+        </p:txBody>
+      </p:sp>
+    </p:spTree>
+    <p:extLst>
+      <p:ext uri="{BB962C8B-B14F-4D97-AF65-F5344CB8AC3E}">
+        <p14:creationId xmlns:p14="http://schemas.microsoft.com/office/powerpoint/2010/main" val="2450836371"/>
+      </p:ext>
+    </p:extLst>
+  </p:cSld>
+  <p:clrMapOvr>
+    <a:masterClrMapping/>
+  </p:clrMapOvr>
+</p:sld>
+</file>
+
+<file path=ppt/slides/slide4.xml><?xml version="1.0" encoding="utf-8"?>
 <p:sld xmlns:a="http://schemas.openxmlformats.org/drawingml/2006/main" xmlns:r="http://schemas.openxmlformats.org/officeDocument/2006/relationships" xmlns:p="http://schemas.openxmlformats.org/presentationml/2006/main">
   <p:cSld>
     <p:spTree>
@@ -4335,7 +5471,7 @@
 </p:sld>
 </file>
 
-<file path=ppt/slides/slide3.xml><?xml version="1.0" encoding="utf-8"?>
+<file path=ppt/slides/slide5.xml><?xml version="1.0" encoding="utf-8"?>
 <p:sld xmlns:a="http://schemas.openxmlformats.org/drawingml/2006/main" xmlns:r="http://schemas.openxmlformats.org/officeDocument/2006/relationships" xmlns:p="http://schemas.openxmlformats.org/presentationml/2006/main">
   <p:cSld>
     <p:spTree>
@@ -4412,6 +5548,57 @@
           </a:prstGeom>
         </p:spPr>
       </p:pic>
+      <mc:AlternateContent xmlns:mc="http://schemas.openxmlformats.org/markup-compatibility/2006">
+        <mc:Choice xmlns:p14="http://schemas.microsoft.com/office/powerpoint/2010/main" Requires="p14">
+          <p:contentPart p14:bwMode="auto" r:id="rId4">
+            <p14:nvContentPartPr>
+              <p14:cNvPr id="2" name="잉크 1">
+                <a:extLst>
+                  <a:ext uri="{FF2B5EF4-FFF2-40B4-BE49-F238E27FC236}">
+                    <a16:creationId xmlns:a16="http://schemas.microsoft.com/office/drawing/2014/main" id="{7C2AF722-721D-A322-5439-6A6721E38434}"/>
+                  </a:ext>
+                </a:extLst>
+              </p14:cNvPr>
+              <p14:cNvContentPartPr/>
+              <p14:nvPr/>
+            </p14:nvContentPartPr>
+            <p14:xfrm>
+              <a:off x="897454" y="756206"/>
+              <a:ext cx="2203200" cy="360"/>
+            </p14:xfrm>
+          </p:contentPart>
+        </mc:Choice>
+        <mc:Fallback>
+          <p:pic>
+            <p:nvPicPr>
+              <p:cNvPr id="2" name="잉크 1">
+                <a:extLst>
+                  <a:ext uri="{FF2B5EF4-FFF2-40B4-BE49-F238E27FC236}">
+                    <a16:creationId xmlns:a16="http://schemas.microsoft.com/office/drawing/2014/main" id="{7C2AF722-721D-A322-5439-6A6721E38434}"/>
+                  </a:ext>
+                </a:extLst>
+              </p:cNvPr>
+              <p:cNvPicPr/>
+              <p:nvPr/>
+            </p:nvPicPr>
+            <p:blipFill>
+              <a:blip r:embed="rId5"/>
+              <a:stretch>
+                <a:fillRect/>
+              </a:stretch>
+            </p:blipFill>
+            <p:spPr>
+              <a:xfrm>
+                <a:off x="825454" y="612206"/>
+                <a:ext cx="2346840" cy="288000"/>
+              </a:xfrm>
+              <a:prstGeom prst="rect">
+                <a:avLst/>
+              </a:prstGeom>
+            </p:spPr>
+          </p:pic>
+        </mc:Fallback>
+      </mc:AlternateContent>
     </p:spTree>
     <p:extLst>
       <p:ext uri="{BB962C8B-B14F-4D97-AF65-F5344CB8AC3E}">
@@ -4425,7 +5612,7 @@
 </p:sld>
 </file>
 
-<file path=ppt/slides/slide4.xml><?xml version="1.0" encoding="utf-8"?>
+<file path=ppt/slides/slide6.xml><?xml version="1.0" encoding="utf-8"?>
 <p:sld xmlns:a="http://schemas.openxmlformats.org/drawingml/2006/main" xmlns:r="http://schemas.openxmlformats.org/officeDocument/2006/relationships" xmlns:p="http://schemas.openxmlformats.org/presentationml/2006/main">
   <p:cSld>
     <p:spTree>
@@ -4515,7 +5702,7 @@
 </p:sld>
 </file>
 
-<file path=ppt/slides/slide5.xml><?xml version="1.0" encoding="utf-8"?>
+<file path=ppt/slides/slide7.xml><?xml version="1.0" encoding="utf-8"?>
 <p:sld xmlns:a="http://schemas.openxmlformats.org/drawingml/2006/main" xmlns:r="http://schemas.openxmlformats.org/officeDocument/2006/relationships" xmlns:p="http://schemas.openxmlformats.org/presentationml/2006/main">
   <p:cSld>
     <p:spTree>
@@ -4592,6 +5779,57 @@
           </a:prstGeom>
         </p:spPr>
       </p:pic>
+      <mc:AlternateContent xmlns:mc="http://schemas.openxmlformats.org/markup-compatibility/2006">
+        <mc:Choice xmlns:p14="http://schemas.microsoft.com/office/powerpoint/2010/main" Requires="p14">
+          <p:contentPart p14:bwMode="auto" r:id="rId4">
+            <p14:nvContentPartPr>
+              <p14:cNvPr id="2" name="잉크 1">
+                <a:extLst>
+                  <a:ext uri="{FF2B5EF4-FFF2-40B4-BE49-F238E27FC236}">
+                    <a16:creationId xmlns:a16="http://schemas.microsoft.com/office/drawing/2014/main" id="{241D5AFF-2922-B065-D339-9B9AE9086642}"/>
+                  </a:ext>
+                </a:extLst>
+              </p14:cNvPr>
+              <p14:cNvContentPartPr/>
+              <p14:nvPr/>
+            </p14:nvContentPartPr>
+            <p14:xfrm>
+              <a:off x="816094" y="870326"/>
+              <a:ext cx="1467360" cy="360"/>
+            </p14:xfrm>
+          </p:contentPart>
+        </mc:Choice>
+        <mc:Fallback>
+          <p:pic>
+            <p:nvPicPr>
+              <p:cNvPr id="2" name="잉크 1">
+                <a:extLst>
+                  <a:ext uri="{FF2B5EF4-FFF2-40B4-BE49-F238E27FC236}">
+                    <a16:creationId xmlns:a16="http://schemas.microsoft.com/office/drawing/2014/main" id="{241D5AFF-2922-B065-D339-9B9AE9086642}"/>
+                  </a:ext>
+                </a:extLst>
+              </p:cNvPr>
+              <p:cNvPicPr/>
+              <p:nvPr/>
+            </p:nvPicPr>
+            <p:blipFill>
+              <a:blip r:embed="rId5"/>
+              <a:stretch>
+                <a:fillRect/>
+              </a:stretch>
+            </p:blipFill>
+            <p:spPr>
+              <a:xfrm>
+                <a:off x="744094" y="726686"/>
+                <a:ext cx="1611000" cy="288000"/>
+              </a:xfrm>
+              <a:prstGeom prst="rect">
+                <a:avLst/>
+              </a:prstGeom>
+            </p:spPr>
+          </p:pic>
+        </mc:Fallback>
+      </mc:AlternateContent>
     </p:spTree>
     <p:extLst>
       <p:ext uri="{BB962C8B-B14F-4D97-AF65-F5344CB8AC3E}">
@@ -4605,7 +5843,7 @@
 </p:sld>
 </file>
 
-<file path=ppt/slides/slide6.xml><?xml version="1.0" encoding="utf-8"?>
+<file path=ppt/slides/slide8.xml><?xml version="1.0" encoding="utf-8"?>
 <p:sld xmlns:a="http://schemas.openxmlformats.org/drawingml/2006/main" xmlns:r="http://schemas.openxmlformats.org/officeDocument/2006/relationships" xmlns:p="http://schemas.openxmlformats.org/presentationml/2006/main">
   <p:cSld>
     <p:spTree>
@@ -4682,6 +5920,57 @@
           </a:prstGeom>
         </p:spPr>
       </p:pic>
+      <mc:AlternateContent xmlns:mc="http://schemas.openxmlformats.org/markup-compatibility/2006">
+        <mc:Choice xmlns:p14="http://schemas.microsoft.com/office/powerpoint/2010/main" Requires="p14">
+          <p:contentPart p14:bwMode="auto" r:id="rId4">
+            <p14:nvContentPartPr>
+              <p14:cNvPr id="2" name="잉크 1">
+                <a:extLst>
+                  <a:ext uri="{FF2B5EF4-FFF2-40B4-BE49-F238E27FC236}">
+                    <a16:creationId xmlns:a16="http://schemas.microsoft.com/office/drawing/2014/main" id="{2C620D6A-EEE7-0619-B69A-9DE8FF57E7AF}"/>
+                  </a:ext>
+                </a:extLst>
+              </p14:cNvPr>
+              <p14:cNvContentPartPr/>
+              <p14:nvPr/>
+            </p14:nvContentPartPr>
+            <p14:xfrm>
+              <a:off x="930214" y="1670606"/>
+              <a:ext cx="3538440" cy="360"/>
+            </p14:xfrm>
+          </p:contentPart>
+        </mc:Choice>
+        <mc:Fallback>
+          <p:pic>
+            <p:nvPicPr>
+              <p:cNvPr id="2" name="잉크 1">
+                <a:extLst>
+                  <a:ext uri="{FF2B5EF4-FFF2-40B4-BE49-F238E27FC236}">
+                    <a16:creationId xmlns:a16="http://schemas.microsoft.com/office/drawing/2014/main" id="{2C620D6A-EEE7-0619-B69A-9DE8FF57E7AF}"/>
+                  </a:ext>
+                </a:extLst>
+              </p:cNvPr>
+              <p:cNvPicPr/>
+              <p:nvPr/>
+            </p:nvPicPr>
+            <p:blipFill>
+              <a:blip r:embed="rId5"/>
+              <a:stretch>
+                <a:fillRect/>
+              </a:stretch>
+            </p:blipFill>
+            <p:spPr>
+              <a:xfrm>
+                <a:off x="858214" y="1526606"/>
+                <a:ext cx="3682080" cy="288000"/>
+              </a:xfrm>
+              <a:prstGeom prst="rect">
+                <a:avLst/>
+              </a:prstGeom>
+            </p:spPr>
+          </p:pic>
+        </mc:Fallback>
+      </mc:AlternateContent>
     </p:spTree>
     <p:extLst>
       <p:ext uri="{BB962C8B-B14F-4D97-AF65-F5344CB8AC3E}">
@@ -4695,7 +5984,7 @@
 </p:sld>
 </file>
 
-<file path=ppt/slides/slide7.xml><?xml version="1.0" encoding="utf-8"?>
+<file path=ppt/slides/slide9.xml><?xml version="1.0" encoding="utf-8"?>
 <p:sld xmlns:a="http://schemas.openxmlformats.org/drawingml/2006/main" xmlns:r="http://schemas.openxmlformats.org/officeDocument/2006/relationships" xmlns:p="http://schemas.openxmlformats.org/presentationml/2006/main">
   <p:cSld>
     <p:spTree>
@@ -4836,306 +6125,6 @@
     <p:extLst>
       <p:ext uri="{BB962C8B-B14F-4D97-AF65-F5344CB8AC3E}">
         <p14:creationId xmlns:p14="http://schemas.microsoft.com/office/powerpoint/2010/main" val="2514830982"/>
-      </p:ext>
-    </p:extLst>
-  </p:cSld>
-  <p:clrMapOvr>
-    <a:masterClrMapping/>
-  </p:clrMapOvr>
-</p:sld>
-</file>
-
-<file path=ppt/slides/slide8.xml><?xml version="1.0" encoding="utf-8"?>
-<p:sld xmlns:a="http://schemas.openxmlformats.org/drawingml/2006/main" xmlns:r="http://schemas.openxmlformats.org/officeDocument/2006/relationships" xmlns:p="http://schemas.openxmlformats.org/presentationml/2006/main">
-  <p:cSld>
-    <p:spTree>
-      <p:nvGrpSpPr>
-        <p:cNvPr id="1" name=""/>
-        <p:cNvGrpSpPr/>
-        <p:nvPr/>
-      </p:nvGrpSpPr>
-      <p:grpSpPr>
-        <a:xfrm>
-          <a:off x="0" y="0"/>
-          <a:ext cx="0" cy="0"/>
-          <a:chOff x="0" y="0"/>
-          <a:chExt cx="0" cy="0"/>
-        </a:xfrm>
-      </p:grpSpPr>
-      <p:pic>
-        <p:nvPicPr>
-          <p:cNvPr id="3" name="그림 2">
-            <a:extLst>
-              <a:ext uri="{FF2B5EF4-FFF2-40B4-BE49-F238E27FC236}">
-                <a16:creationId xmlns:a16="http://schemas.microsoft.com/office/drawing/2014/main" id="{DE21DBB2-61CB-6612-B48D-6AB5380B3C3D}"/>
-              </a:ext>
-            </a:extLst>
-          </p:cNvPr>
-          <p:cNvPicPr>
-            <a:picLocks noChangeAspect="1"/>
-          </p:cNvPicPr>
-          <p:nvPr/>
-        </p:nvPicPr>
-        <p:blipFill>
-          <a:blip r:embed="rId2"/>
-          <a:stretch>
-            <a:fillRect/>
-          </a:stretch>
-        </p:blipFill>
-        <p:spPr>
-          <a:xfrm>
-            <a:off x="458228" y="699610"/>
-            <a:ext cx="11181162" cy="1189962"/>
-          </a:xfrm>
-          <a:prstGeom prst="rect">
-            <a:avLst/>
-          </a:prstGeom>
-        </p:spPr>
-      </p:pic>
-      <p:pic>
-        <p:nvPicPr>
-          <p:cNvPr id="5" name="그림 4">
-            <a:extLst>
-              <a:ext uri="{FF2B5EF4-FFF2-40B4-BE49-F238E27FC236}">
-                <a16:creationId xmlns:a16="http://schemas.microsoft.com/office/drawing/2014/main" id="{ED482752-640D-162E-6A78-F79172E70551}"/>
-              </a:ext>
-            </a:extLst>
-          </p:cNvPr>
-          <p:cNvPicPr>
-            <a:picLocks noChangeAspect="1"/>
-          </p:cNvPicPr>
-          <p:nvPr/>
-        </p:nvPicPr>
-        <p:blipFill>
-          <a:blip r:embed="rId3"/>
-          <a:stretch>
-            <a:fillRect/>
-          </a:stretch>
-        </p:blipFill>
-        <p:spPr>
-          <a:xfrm>
-            <a:off x="458228" y="2109825"/>
-            <a:ext cx="4122429" cy="744329"/>
-          </a:xfrm>
-          <a:prstGeom prst="rect">
-            <a:avLst/>
-          </a:prstGeom>
-        </p:spPr>
-      </p:pic>
-      <p:pic>
-        <p:nvPicPr>
-          <p:cNvPr id="7" name="그림 6">
-            <a:extLst>
-              <a:ext uri="{FF2B5EF4-FFF2-40B4-BE49-F238E27FC236}">
-                <a16:creationId xmlns:a16="http://schemas.microsoft.com/office/drawing/2014/main" id="{CECEDA97-61EA-33C1-6DB7-3DCA8044F308}"/>
-              </a:ext>
-            </a:extLst>
-          </p:cNvPr>
-          <p:cNvPicPr>
-            <a:picLocks noChangeAspect="1"/>
-          </p:cNvPicPr>
-          <p:nvPr/>
-        </p:nvPicPr>
-        <p:blipFill>
-          <a:blip r:embed="rId4"/>
-          <a:stretch>
-            <a:fillRect/>
-          </a:stretch>
-        </p:blipFill>
-        <p:spPr>
-          <a:xfrm>
-            <a:off x="458228" y="3463172"/>
-            <a:ext cx="11181162" cy="1081349"/>
-          </a:xfrm>
-          <a:prstGeom prst="rect">
-            <a:avLst/>
-          </a:prstGeom>
-        </p:spPr>
-      </p:pic>
-      <p:pic>
-        <p:nvPicPr>
-          <p:cNvPr id="9" name="그림 8">
-            <a:extLst>
-              <a:ext uri="{FF2B5EF4-FFF2-40B4-BE49-F238E27FC236}">
-                <a16:creationId xmlns:a16="http://schemas.microsoft.com/office/drawing/2014/main" id="{4A929526-16B6-8C7A-7926-D1F3A7766BBF}"/>
-              </a:ext>
-            </a:extLst>
-          </p:cNvPr>
-          <p:cNvPicPr>
-            <a:picLocks noChangeAspect="1"/>
-          </p:cNvPicPr>
-          <p:nvPr/>
-        </p:nvPicPr>
-        <p:blipFill>
-          <a:blip r:embed="rId5"/>
-          <a:stretch>
-            <a:fillRect/>
-          </a:stretch>
-        </p:blipFill>
-        <p:spPr>
-          <a:xfrm>
-            <a:off x="458228" y="4927835"/>
-            <a:ext cx="6386829" cy="744329"/>
-          </a:xfrm>
-          <a:prstGeom prst="rect">
-            <a:avLst/>
-          </a:prstGeom>
-        </p:spPr>
-      </p:pic>
-    </p:spTree>
-    <p:extLst>
-      <p:ext uri="{BB962C8B-B14F-4D97-AF65-F5344CB8AC3E}">
-        <p14:creationId xmlns:p14="http://schemas.microsoft.com/office/powerpoint/2010/main" val="939321662"/>
-      </p:ext>
-    </p:extLst>
-  </p:cSld>
-  <p:clrMapOvr>
-    <a:masterClrMapping/>
-  </p:clrMapOvr>
-</p:sld>
-</file>
-
-<file path=ppt/slides/slide9.xml><?xml version="1.0" encoding="utf-8"?>
-<p:sld xmlns:a="http://schemas.openxmlformats.org/drawingml/2006/main" xmlns:r="http://schemas.openxmlformats.org/officeDocument/2006/relationships" xmlns:p="http://schemas.openxmlformats.org/presentationml/2006/main">
-  <p:cSld>
-    <p:spTree>
-      <p:nvGrpSpPr>
-        <p:cNvPr id="1" name=""/>
-        <p:cNvGrpSpPr/>
-        <p:nvPr/>
-      </p:nvGrpSpPr>
-      <p:grpSpPr>
-        <a:xfrm>
-          <a:off x="0" y="0"/>
-          <a:ext cx="0" cy="0"/>
-          <a:chOff x="0" y="0"/>
-          <a:chExt cx="0" cy="0"/>
-        </a:xfrm>
-      </p:grpSpPr>
-      <p:pic>
-        <p:nvPicPr>
-          <p:cNvPr id="3" name="그림 2">
-            <a:extLst>
-              <a:ext uri="{FF2B5EF4-FFF2-40B4-BE49-F238E27FC236}">
-                <a16:creationId xmlns:a16="http://schemas.microsoft.com/office/drawing/2014/main" id="{C82B039B-BD9B-8DCA-DA34-3AC06483706C}"/>
-              </a:ext>
-            </a:extLst>
-          </p:cNvPr>
-          <p:cNvPicPr>
-            <a:picLocks noChangeAspect="1"/>
-          </p:cNvPicPr>
-          <p:nvPr/>
-        </p:nvPicPr>
-        <p:blipFill>
-          <a:blip r:embed="rId2"/>
-          <a:stretch>
-            <a:fillRect/>
-          </a:stretch>
-        </p:blipFill>
-        <p:spPr>
-          <a:xfrm>
-            <a:off x="371154" y="400615"/>
-            <a:ext cx="8446275" cy="3031547"/>
-          </a:xfrm>
-          <a:prstGeom prst="rect">
-            <a:avLst/>
-          </a:prstGeom>
-        </p:spPr>
-      </p:pic>
-      <p:pic>
-        <p:nvPicPr>
-          <p:cNvPr id="5" name="그림 4">
-            <a:extLst>
-              <a:ext uri="{FF2B5EF4-FFF2-40B4-BE49-F238E27FC236}">
-                <a16:creationId xmlns:a16="http://schemas.microsoft.com/office/drawing/2014/main" id="{688D57F4-7247-F3BB-9127-9C50BB41A7CD}"/>
-              </a:ext>
-            </a:extLst>
-          </p:cNvPr>
-          <p:cNvPicPr>
-            <a:picLocks noChangeAspect="1"/>
-          </p:cNvPicPr>
-          <p:nvPr/>
-        </p:nvPicPr>
-        <p:blipFill>
-          <a:blip r:embed="rId3"/>
-          <a:stretch>
-            <a:fillRect/>
-          </a:stretch>
-        </p:blipFill>
-        <p:spPr>
-          <a:xfrm>
-            <a:off x="371154" y="3402079"/>
-            <a:ext cx="2094460" cy="595268"/>
-          </a:xfrm>
-          <a:prstGeom prst="rect">
-            <a:avLst/>
-          </a:prstGeom>
-        </p:spPr>
-      </p:pic>
-      <p:pic>
-        <p:nvPicPr>
-          <p:cNvPr id="7" name="그림 6">
-            <a:extLst>
-              <a:ext uri="{FF2B5EF4-FFF2-40B4-BE49-F238E27FC236}">
-                <a16:creationId xmlns:a16="http://schemas.microsoft.com/office/drawing/2014/main" id="{36565DE0-DA67-7862-F755-9A6AD0290B98}"/>
-              </a:ext>
-            </a:extLst>
-          </p:cNvPr>
-          <p:cNvPicPr>
-            <a:picLocks noChangeAspect="1"/>
-          </p:cNvPicPr>
-          <p:nvPr/>
-        </p:nvPicPr>
-        <p:blipFill>
-          <a:blip r:embed="rId4"/>
-          <a:stretch>
-            <a:fillRect/>
-          </a:stretch>
-        </p:blipFill>
-        <p:spPr>
-          <a:xfrm>
-            <a:off x="371154" y="4234882"/>
-            <a:ext cx="10552660" cy="1550870"/>
-          </a:xfrm>
-          <a:prstGeom prst="rect">
-            <a:avLst/>
-          </a:prstGeom>
-        </p:spPr>
-      </p:pic>
-      <p:pic>
-        <p:nvPicPr>
-          <p:cNvPr id="9" name="그림 8">
-            <a:extLst>
-              <a:ext uri="{FF2B5EF4-FFF2-40B4-BE49-F238E27FC236}">
-                <a16:creationId xmlns:a16="http://schemas.microsoft.com/office/drawing/2014/main" id="{80CBBA94-7E17-2DBE-70E0-B0791F053918}"/>
-              </a:ext>
-            </a:extLst>
-          </p:cNvPr>
-          <p:cNvPicPr>
-            <a:picLocks noChangeAspect="1"/>
-          </p:cNvPicPr>
-          <p:nvPr/>
-        </p:nvPicPr>
-        <p:blipFill>
-          <a:blip r:embed="rId5"/>
-          <a:stretch>
-            <a:fillRect/>
-          </a:stretch>
-        </p:blipFill>
-        <p:spPr>
-          <a:xfrm>
-            <a:off x="371154" y="5785752"/>
-            <a:ext cx="4951960" cy="582583"/>
-          </a:xfrm>
-          <a:prstGeom prst="rect">
-            <a:avLst/>
-          </a:prstGeom>
-        </p:spPr>
-      </p:pic>
-    </p:spTree>
-    <p:extLst>
-      <p:ext uri="{BB962C8B-B14F-4D97-AF65-F5344CB8AC3E}">
-        <p14:creationId xmlns:p14="http://schemas.microsoft.com/office/powerpoint/2010/main" val="3592350033"/>
       </p:ext>
     </p:extLst>
   </p:cSld>

--- a/Python과제/Python_6강.pptx
+++ b/Python과제/Python_6강.pptx
@@ -474,7 +474,7 @@
           <a:p>
             <a:fld id="{96DFF08F-DC6B-4601-B491-B0F83F6DD2DA}" type="datetimeFigureOut">
               <a:rPr lang="en-US" smtClean="0"/>
-              <a:t>5/6/2023</a:t>
+              <a:t>5/7/2023</a:t>
             </a:fld>
             <a:endParaRPr lang="en-US" dirty="0"/>
           </a:p>
@@ -695,7 +695,7 @@
           <a:p>
             <a:fld id="{96DFF08F-DC6B-4601-B491-B0F83F6DD2DA}" type="datetimeFigureOut">
               <a:rPr lang="en-US" smtClean="0"/>
-              <a:t>5/6/2023</a:t>
+              <a:t>5/7/2023</a:t>
             </a:fld>
             <a:endParaRPr lang="en-US" dirty="0"/>
           </a:p>
@@ -875,7 +875,7 @@
           <a:p>
             <a:fld id="{96DFF08F-DC6B-4601-B491-B0F83F6DD2DA}" type="datetimeFigureOut">
               <a:rPr lang="en-US" smtClean="0"/>
-              <a:t>5/6/2023</a:t>
+              <a:t>5/7/2023</a:t>
             </a:fld>
             <a:endParaRPr lang="en-US" dirty="0"/>
           </a:p>
@@ -1045,7 +1045,7 @@
           <a:p>
             <a:fld id="{96DFF08F-DC6B-4601-B491-B0F83F6DD2DA}" type="datetimeFigureOut">
               <a:rPr lang="en-US" smtClean="0"/>
-              <a:t>5/6/2023</a:t>
+              <a:t>5/7/2023</a:t>
             </a:fld>
             <a:endParaRPr lang="en-US" dirty="0"/>
           </a:p>
@@ -1296,7 +1296,7 @@
           <a:p>
             <a:fld id="{96DFF08F-DC6B-4601-B491-B0F83F6DD2DA}" type="datetimeFigureOut">
               <a:rPr lang="en-US" smtClean="0"/>
-              <a:t>5/6/2023</a:t>
+              <a:t>5/7/2023</a:t>
             </a:fld>
             <a:endParaRPr lang="en-US" dirty="0"/>
           </a:p>
@@ -1619,7 +1619,7 @@
           <a:p>
             <a:fld id="{96DFF08F-DC6B-4601-B491-B0F83F6DD2DA}" type="datetimeFigureOut">
               <a:rPr lang="en-US" smtClean="0"/>
-              <a:t>5/6/2023</a:t>
+              <a:t>5/7/2023</a:t>
             </a:fld>
             <a:endParaRPr lang="en-US" dirty="0"/>
           </a:p>
@@ -2043,7 +2043,7 @@
           <a:p>
             <a:fld id="{96DFF08F-DC6B-4601-B491-B0F83F6DD2DA}" type="datetimeFigureOut">
               <a:rPr lang="en-US" smtClean="0"/>
-              <a:t>5/6/2023</a:t>
+              <a:t>5/7/2023</a:t>
             </a:fld>
             <a:endParaRPr lang="en-US" dirty="0"/>
           </a:p>
@@ -2161,7 +2161,7 @@
           <a:p>
             <a:fld id="{96DFF08F-DC6B-4601-B491-B0F83F6DD2DA}" type="datetimeFigureOut">
               <a:rPr lang="en-US" smtClean="0"/>
-              <a:t>5/6/2023</a:t>
+              <a:t>5/7/2023</a:t>
             </a:fld>
             <a:endParaRPr lang="en-US" dirty="0"/>
           </a:p>
@@ -2256,7 +2256,7 @@
           <a:p>
             <a:fld id="{96DFF08F-DC6B-4601-B491-B0F83F6DD2DA}" type="datetimeFigureOut">
               <a:rPr lang="en-US" smtClean="0"/>
-              <a:t>5/6/2023</a:t>
+              <a:t>5/7/2023</a:t>
             </a:fld>
             <a:endParaRPr lang="en-US" dirty="0"/>
           </a:p>
@@ -2546,7 +2546,7 @@
           <a:p>
             <a:fld id="{96DFF08F-DC6B-4601-B491-B0F83F6DD2DA}" type="datetimeFigureOut">
               <a:rPr lang="en-US" smtClean="0"/>
-              <a:t>5/6/2023</a:t>
+              <a:t>5/7/2023</a:t>
             </a:fld>
             <a:endParaRPr lang="en-US" dirty="0"/>
           </a:p>
@@ -2818,7 +2818,7 @@
           <a:p>
             <a:fld id="{96DFF08F-DC6B-4601-B491-B0F83F6DD2DA}" type="datetimeFigureOut">
               <a:rPr lang="en-US" smtClean="0"/>
-              <a:t>5/6/2023</a:t>
+              <a:t>5/7/2023</a:t>
             </a:fld>
             <a:endParaRPr lang="en-US" dirty="0"/>
           </a:p>
@@ -3073,7 +3073,7 @@
             <a:fld id="{96DFF08F-DC6B-4601-B491-B0F83F6DD2DA}" type="datetimeFigureOut">
               <a:rPr lang="en-US" smtClean="0"/>
               <a:pPr/>
-              <a:t>5/6/2023</a:t>
+              <a:t>5/7/2023</a:t>
             </a:fld>
             <a:endParaRPr lang="en-US" dirty="0"/>
           </a:p>
@@ -3813,6 +3813,96 @@
           </a:prstGeom>
         </p:spPr>
       </p:pic>
+      <p:sp>
+        <p:nvSpPr>
+          <p:cNvPr id="2" name="TextBox 1">
+            <a:extLst>
+              <a:ext uri="{FF2B5EF4-FFF2-40B4-BE49-F238E27FC236}">
+                <a16:creationId xmlns:a16="http://schemas.microsoft.com/office/drawing/2014/main" id="{E1D23494-0A4F-19C3-AAC9-4342CDE3F67E}"/>
+              </a:ext>
+            </a:extLst>
+          </p:cNvPr>
+          <p:cNvSpPr txBox="1"/>
+          <p:nvPr/>
+        </p:nvSpPr>
+        <p:spPr>
+          <a:xfrm>
+            <a:off x="431285" y="1815033"/>
+            <a:ext cx="2065283" cy="369332"/>
+          </a:xfrm>
+          <a:prstGeom prst="rect">
+            <a:avLst/>
+          </a:prstGeom>
+          <a:noFill/>
+        </p:spPr>
+        <p:txBody>
+          <a:bodyPr wrap="square" rtlCol="0">
+            <a:spAutoFit/>
+          </a:bodyPr>
+          <a:lstStyle/>
+          <a:p>
+            <a:pPr algn="ctr"/>
+            <a:r>
+              <a:rPr lang="en-US" altLang="ko-KR" b="1" dirty="0"/>
+              <a:t>&lt; print </a:t>
+            </a:r>
+            <a:r>
+              <a:rPr lang="ko-KR" altLang="en-US" b="1" dirty="0"/>
+              <a:t>결과 확인 </a:t>
+            </a:r>
+            <a:r>
+              <a:rPr lang="en-US" altLang="ko-KR" b="1" dirty="0"/>
+              <a:t>&gt;</a:t>
+            </a:r>
+            <a:endParaRPr lang="ko-KR" altLang="en-US" b="1" dirty="0"/>
+          </a:p>
+        </p:txBody>
+      </p:sp>
+      <p:sp>
+        <p:nvSpPr>
+          <p:cNvPr id="4" name="TextBox 3">
+            <a:extLst>
+              <a:ext uri="{FF2B5EF4-FFF2-40B4-BE49-F238E27FC236}">
+                <a16:creationId xmlns:a16="http://schemas.microsoft.com/office/drawing/2014/main" id="{C8277F8F-8A28-7D6F-73FA-1542FE675AF1}"/>
+              </a:ext>
+            </a:extLst>
+          </p:cNvPr>
+          <p:cNvSpPr txBox="1"/>
+          <p:nvPr/>
+        </p:nvSpPr>
+        <p:spPr>
+          <a:xfrm>
+            <a:off x="458228" y="4558503"/>
+            <a:ext cx="2065283" cy="369332"/>
+          </a:xfrm>
+          <a:prstGeom prst="rect">
+            <a:avLst/>
+          </a:prstGeom>
+          <a:noFill/>
+        </p:spPr>
+        <p:txBody>
+          <a:bodyPr wrap="square" rtlCol="0">
+            <a:spAutoFit/>
+          </a:bodyPr>
+          <a:lstStyle/>
+          <a:p>
+            <a:pPr algn="ctr"/>
+            <a:r>
+              <a:rPr lang="en-US" altLang="ko-KR" b="1" dirty="0"/>
+              <a:t>&lt; print </a:t>
+            </a:r>
+            <a:r>
+              <a:rPr lang="ko-KR" altLang="en-US" b="1" dirty="0"/>
+              <a:t>결과 확인 </a:t>
+            </a:r>
+            <a:r>
+              <a:rPr lang="en-US" altLang="ko-KR" b="1" dirty="0"/>
+              <a:t>&gt;</a:t>
+            </a:r>
+            <a:endParaRPr lang="ko-KR" altLang="en-US" b="1" dirty="0"/>
+          </a:p>
+        </p:txBody>
+      </p:sp>
     </p:spTree>
     <p:extLst>
       <p:ext uri="{BB962C8B-B14F-4D97-AF65-F5344CB8AC3E}">
@@ -3999,7 +4089,7 @@
         </p:blipFill>
         <p:spPr>
           <a:xfrm>
-            <a:off x="371154" y="3402079"/>
+            <a:off x="371154" y="3648756"/>
             <a:ext cx="2094460" cy="595268"/>
           </a:xfrm>
           <a:prstGeom prst="rect">
@@ -4059,7 +4149,7 @@
         </p:blipFill>
         <p:spPr>
           <a:xfrm>
-            <a:off x="371154" y="5785752"/>
+            <a:off x="371154" y="5972189"/>
             <a:ext cx="4951960" cy="582583"/>
           </a:xfrm>
           <a:prstGeom prst="rect">
@@ -4067,8 +4157,8 @@
           </a:prstGeom>
         </p:spPr>
       </p:pic>
-      <mc:AlternateContent xmlns:mc="http://schemas.openxmlformats.org/markup-compatibility/2006">
-        <mc:Choice xmlns:p14="http://schemas.microsoft.com/office/powerpoint/2010/main" Requires="p14">
+      <mc:AlternateContent xmlns:mc="http://schemas.openxmlformats.org/markup-compatibility/2006" xmlns:p14="http://schemas.microsoft.com/office/powerpoint/2010/main">
+        <mc:Choice Requires="p14">
           <p:contentPart p14:bwMode="auto" r:id="rId6">
             <p14:nvContentPartPr>
               <p14:cNvPr id="2" name="잉크 1">
@@ -4087,7 +4177,7 @@
             </p14:xfrm>
           </p:contentPart>
         </mc:Choice>
-        <mc:Fallback>
+        <mc:Fallback xmlns="">
           <p:pic>
             <p:nvPicPr>
               <p:cNvPr id="2" name="잉크 1">
@@ -4118,6 +4208,96 @@
           </p:pic>
         </mc:Fallback>
       </mc:AlternateContent>
+      <p:sp>
+        <p:nvSpPr>
+          <p:cNvPr id="4" name="TextBox 3">
+            <a:extLst>
+              <a:ext uri="{FF2B5EF4-FFF2-40B4-BE49-F238E27FC236}">
+                <a16:creationId xmlns:a16="http://schemas.microsoft.com/office/drawing/2014/main" id="{C1B04F5E-17E6-9B99-A7DD-F16E2A3C9BAE}"/>
+              </a:ext>
+            </a:extLst>
+          </p:cNvPr>
+          <p:cNvSpPr txBox="1"/>
+          <p:nvPr/>
+        </p:nvSpPr>
+        <p:spPr>
+          <a:xfrm>
+            <a:off x="371154" y="3387821"/>
+            <a:ext cx="2065283" cy="369332"/>
+          </a:xfrm>
+          <a:prstGeom prst="rect">
+            <a:avLst/>
+          </a:prstGeom>
+          <a:noFill/>
+        </p:spPr>
+        <p:txBody>
+          <a:bodyPr wrap="square" rtlCol="0">
+            <a:spAutoFit/>
+          </a:bodyPr>
+          <a:lstStyle/>
+          <a:p>
+            <a:pPr algn="ctr"/>
+            <a:r>
+              <a:rPr lang="en-US" altLang="ko-KR" b="1" dirty="0"/>
+              <a:t>&lt; print </a:t>
+            </a:r>
+            <a:r>
+              <a:rPr lang="ko-KR" altLang="en-US" b="1" dirty="0"/>
+              <a:t>결과 확인 </a:t>
+            </a:r>
+            <a:r>
+              <a:rPr lang="en-US" altLang="ko-KR" b="1" dirty="0"/>
+              <a:t>&gt;</a:t>
+            </a:r>
+            <a:endParaRPr lang="ko-KR" altLang="en-US" b="1" dirty="0"/>
+          </a:p>
+        </p:txBody>
+      </p:sp>
+      <p:sp>
+        <p:nvSpPr>
+          <p:cNvPr id="6" name="TextBox 5">
+            <a:extLst>
+              <a:ext uri="{FF2B5EF4-FFF2-40B4-BE49-F238E27FC236}">
+                <a16:creationId xmlns:a16="http://schemas.microsoft.com/office/drawing/2014/main" id="{DF7B7EBF-8DBF-189D-9995-752BE386B394}"/>
+              </a:ext>
+            </a:extLst>
+          </p:cNvPr>
+          <p:cNvSpPr txBox="1"/>
+          <p:nvPr/>
+        </p:nvSpPr>
+        <p:spPr>
+          <a:xfrm>
+            <a:off x="371153" y="5694305"/>
+            <a:ext cx="2065283" cy="369332"/>
+          </a:xfrm>
+          <a:prstGeom prst="rect">
+            <a:avLst/>
+          </a:prstGeom>
+          <a:noFill/>
+        </p:spPr>
+        <p:txBody>
+          <a:bodyPr wrap="square" rtlCol="0">
+            <a:spAutoFit/>
+          </a:bodyPr>
+          <a:lstStyle/>
+          <a:p>
+            <a:pPr algn="ctr"/>
+            <a:r>
+              <a:rPr lang="en-US" altLang="ko-KR" b="1" dirty="0"/>
+              <a:t>&lt; print </a:t>
+            </a:r>
+            <a:r>
+              <a:rPr lang="ko-KR" altLang="en-US" b="1" dirty="0"/>
+              <a:t>결과 확인 </a:t>
+            </a:r>
+            <a:r>
+              <a:rPr lang="en-US" altLang="ko-KR" b="1" dirty="0"/>
+              <a:t>&gt;</a:t>
+            </a:r>
+            <a:endParaRPr lang="ko-KR" altLang="en-US" b="1" dirty="0"/>
+          </a:p>
+        </p:txBody>
+      </p:sp>
     </p:spTree>
     <p:extLst>
       <p:ext uri="{BB962C8B-B14F-4D97-AF65-F5344CB8AC3E}">
@@ -4208,6 +4388,51 @@
           </a:prstGeom>
         </p:spPr>
       </p:pic>
+      <p:sp>
+        <p:nvSpPr>
+          <p:cNvPr id="2" name="TextBox 1">
+            <a:extLst>
+              <a:ext uri="{FF2B5EF4-FFF2-40B4-BE49-F238E27FC236}">
+                <a16:creationId xmlns:a16="http://schemas.microsoft.com/office/drawing/2014/main" id="{47C198B1-849B-A459-1BEF-41FC1CE4A1CD}"/>
+              </a:ext>
+            </a:extLst>
+          </p:cNvPr>
+          <p:cNvSpPr txBox="1"/>
+          <p:nvPr/>
+        </p:nvSpPr>
+        <p:spPr>
+          <a:xfrm>
+            <a:off x="410763" y="3931724"/>
+            <a:ext cx="2065283" cy="369332"/>
+          </a:xfrm>
+          <a:prstGeom prst="rect">
+            <a:avLst/>
+          </a:prstGeom>
+          <a:noFill/>
+        </p:spPr>
+        <p:txBody>
+          <a:bodyPr wrap="square" rtlCol="0">
+            <a:spAutoFit/>
+          </a:bodyPr>
+          <a:lstStyle/>
+          <a:p>
+            <a:pPr algn="ctr"/>
+            <a:r>
+              <a:rPr lang="en-US" altLang="ko-KR" b="1" dirty="0"/>
+              <a:t>&lt; print </a:t>
+            </a:r>
+            <a:r>
+              <a:rPr lang="ko-KR" altLang="en-US" b="1" dirty="0"/>
+              <a:t>결과 확인 </a:t>
+            </a:r>
+            <a:r>
+              <a:rPr lang="en-US" altLang="ko-KR" b="1" dirty="0"/>
+              <a:t>&gt;</a:t>
+            </a:r>
+            <a:endParaRPr lang="ko-KR" altLang="en-US" b="1" dirty="0"/>
+          </a:p>
+        </p:txBody>
+      </p:sp>
     </p:spTree>
     <p:extLst>
       <p:ext uri="{BB962C8B-B14F-4D97-AF65-F5344CB8AC3E}">
@@ -4298,6 +4523,51 @@
           </a:prstGeom>
         </p:spPr>
       </p:pic>
+      <p:sp>
+        <p:nvSpPr>
+          <p:cNvPr id="2" name="TextBox 1">
+            <a:extLst>
+              <a:ext uri="{FF2B5EF4-FFF2-40B4-BE49-F238E27FC236}">
+                <a16:creationId xmlns:a16="http://schemas.microsoft.com/office/drawing/2014/main" id="{1ACD5B46-A50C-87FA-440C-FE80F31CD1E0}"/>
+              </a:ext>
+            </a:extLst>
+          </p:cNvPr>
+          <p:cNvSpPr txBox="1"/>
+          <p:nvPr/>
+        </p:nvSpPr>
+        <p:spPr>
+          <a:xfrm>
+            <a:off x="441869" y="3671593"/>
+            <a:ext cx="2065283" cy="369332"/>
+          </a:xfrm>
+          <a:prstGeom prst="rect">
+            <a:avLst/>
+          </a:prstGeom>
+          <a:noFill/>
+        </p:spPr>
+        <p:txBody>
+          <a:bodyPr wrap="square" rtlCol="0">
+            <a:spAutoFit/>
+          </a:bodyPr>
+          <a:lstStyle/>
+          <a:p>
+            <a:pPr algn="ctr"/>
+            <a:r>
+              <a:rPr lang="en-US" altLang="ko-KR" b="1" dirty="0"/>
+              <a:t>&lt; print </a:t>
+            </a:r>
+            <a:r>
+              <a:rPr lang="ko-KR" altLang="en-US" b="1" dirty="0"/>
+              <a:t>결과 확인 </a:t>
+            </a:r>
+            <a:r>
+              <a:rPr lang="en-US" altLang="ko-KR" b="1" dirty="0"/>
+              <a:t>&gt;</a:t>
+            </a:r>
+            <a:endParaRPr lang="ko-KR" altLang="en-US" b="1" dirty="0"/>
+          </a:p>
+        </p:txBody>
+      </p:sp>
     </p:spTree>
     <p:extLst>
       <p:ext uri="{BB962C8B-B14F-4D97-AF65-F5344CB8AC3E}">
@@ -4543,8 +4813,8 @@
           </a:prstGeom>
         </p:spPr>
       </p:pic>
-      <mc:AlternateContent xmlns:mc="http://schemas.openxmlformats.org/markup-compatibility/2006">
-        <mc:Choice xmlns:p14="http://schemas.microsoft.com/office/powerpoint/2010/main" Requires="p14">
+      <mc:AlternateContent xmlns:mc="http://schemas.openxmlformats.org/markup-compatibility/2006" xmlns:p14="http://schemas.microsoft.com/office/powerpoint/2010/main">
+        <mc:Choice Requires="p14">
           <p:contentPart p14:bwMode="auto" r:id="rId6">
             <p14:nvContentPartPr>
               <p14:cNvPr id="2" name="잉크 1">
@@ -4563,7 +4833,7 @@
             </p14:xfrm>
           </p:contentPart>
         </mc:Choice>
-        <mc:Fallback>
+        <mc:Fallback xmlns="">
           <p:pic>
             <p:nvPicPr>
               <p:cNvPr id="2" name="잉크 1">
@@ -4594,6 +4864,51 @@
           </p:pic>
         </mc:Fallback>
       </mc:AlternateContent>
+      <p:sp>
+        <p:nvSpPr>
+          <p:cNvPr id="4" name="TextBox 3">
+            <a:extLst>
+              <a:ext uri="{FF2B5EF4-FFF2-40B4-BE49-F238E27FC236}">
+                <a16:creationId xmlns:a16="http://schemas.microsoft.com/office/drawing/2014/main" id="{87AD5197-D973-002B-D65F-66A27C20AC0A}"/>
+              </a:ext>
+            </a:extLst>
+          </p:cNvPr>
+          <p:cNvSpPr txBox="1"/>
+          <p:nvPr/>
+        </p:nvSpPr>
+        <p:spPr>
+          <a:xfrm>
+            <a:off x="6657830" y="3119801"/>
+            <a:ext cx="2065283" cy="369332"/>
+          </a:xfrm>
+          <a:prstGeom prst="rect">
+            <a:avLst/>
+          </a:prstGeom>
+          <a:noFill/>
+        </p:spPr>
+        <p:txBody>
+          <a:bodyPr wrap="square" rtlCol="0">
+            <a:spAutoFit/>
+          </a:bodyPr>
+          <a:lstStyle/>
+          <a:p>
+            <a:pPr algn="ctr"/>
+            <a:r>
+              <a:rPr lang="en-US" altLang="ko-KR" b="1" dirty="0"/>
+              <a:t>&lt; print </a:t>
+            </a:r>
+            <a:r>
+              <a:rPr lang="ko-KR" altLang="en-US" b="1" dirty="0"/>
+              <a:t>결과 확인 </a:t>
+            </a:r>
+            <a:r>
+              <a:rPr lang="en-US" altLang="ko-KR" b="1" dirty="0"/>
+              <a:t>&gt;</a:t>
+            </a:r>
+            <a:endParaRPr lang="ko-KR" altLang="en-US" b="1" dirty="0"/>
+          </a:p>
+        </p:txBody>
+      </p:sp>
     </p:spTree>
     <p:extLst>
       <p:ext uri="{BB962C8B-B14F-4D97-AF65-F5344CB8AC3E}">
@@ -4744,6 +5059,96 @@
           </a:prstGeom>
         </p:spPr>
       </p:pic>
+      <p:sp>
+        <p:nvSpPr>
+          <p:cNvPr id="2" name="TextBox 1">
+            <a:extLst>
+              <a:ext uri="{FF2B5EF4-FFF2-40B4-BE49-F238E27FC236}">
+                <a16:creationId xmlns:a16="http://schemas.microsoft.com/office/drawing/2014/main" id="{B51E5A35-2493-FD4B-40B7-2776C2707354}"/>
+              </a:ext>
+            </a:extLst>
+          </p:cNvPr>
+          <p:cNvSpPr txBox="1"/>
+          <p:nvPr/>
+        </p:nvSpPr>
+        <p:spPr>
+          <a:xfrm>
+            <a:off x="7484530" y="471362"/>
+            <a:ext cx="2065283" cy="369332"/>
+          </a:xfrm>
+          <a:prstGeom prst="rect">
+            <a:avLst/>
+          </a:prstGeom>
+          <a:noFill/>
+        </p:spPr>
+        <p:txBody>
+          <a:bodyPr wrap="square" rtlCol="0">
+            <a:spAutoFit/>
+          </a:bodyPr>
+          <a:lstStyle/>
+          <a:p>
+            <a:pPr algn="ctr"/>
+            <a:r>
+              <a:rPr lang="en-US" altLang="ko-KR" b="1" dirty="0"/>
+              <a:t>&lt; print </a:t>
+            </a:r>
+            <a:r>
+              <a:rPr lang="ko-KR" altLang="en-US" b="1" dirty="0"/>
+              <a:t>결과 확인 </a:t>
+            </a:r>
+            <a:r>
+              <a:rPr lang="en-US" altLang="ko-KR" b="1" dirty="0"/>
+              <a:t>&gt;</a:t>
+            </a:r>
+            <a:endParaRPr lang="ko-KR" altLang="en-US" b="1" dirty="0"/>
+          </a:p>
+        </p:txBody>
+      </p:sp>
+      <p:sp>
+        <p:nvSpPr>
+          <p:cNvPr id="4" name="TextBox 3">
+            <a:extLst>
+              <a:ext uri="{FF2B5EF4-FFF2-40B4-BE49-F238E27FC236}">
+                <a16:creationId xmlns:a16="http://schemas.microsoft.com/office/drawing/2014/main" id="{5B989C9F-7607-19CF-20FB-5EEA96276256}"/>
+              </a:ext>
+            </a:extLst>
+          </p:cNvPr>
+          <p:cNvSpPr txBox="1"/>
+          <p:nvPr/>
+        </p:nvSpPr>
+        <p:spPr>
+          <a:xfrm>
+            <a:off x="7584835" y="3502876"/>
+            <a:ext cx="2065283" cy="369332"/>
+          </a:xfrm>
+          <a:prstGeom prst="rect">
+            <a:avLst/>
+          </a:prstGeom>
+          <a:noFill/>
+        </p:spPr>
+        <p:txBody>
+          <a:bodyPr wrap="square" rtlCol="0">
+            <a:spAutoFit/>
+          </a:bodyPr>
+          <a:lstStyle/>
+          <a:p>
+            <a:pPr algn="ctr"/>
+            <a:r>
+              <a:rPr lang="en-US" altLang="ko-KR" b="1" dirty="0"/>
+              <a:t>&lt; print </a:t>
+            </a:r>
+            <a:r>
+              <a:rPr lang="ko-KR" altLang="en-US" b="1" dirty="0"/>
+              <a:t>결과 확인 </a:t>
+            </a:r>
+            <a:r>
+              <a:rPr lang="en-US" altLang="ko-KR" b="1" dirty="0"/>
+              <a:t>&gt;</a:t>
+            </a:r>
+            <a:endParaRPr lang="ko-KR" altLang="en-US" b="1" dirty="0"/>
+          </a:p>
+        </p:txBody>
+      </p:sp>
     </p:spTree>
     <p:extLst>
       <p:ext uri="{BB962C8B-B14F-4D97-AF65-F5344CB8AC3E}">
@@ -4834,6 +5239,51 @@
           </a:prstGeom>
         </p:spPr>
       </p:pic>
+      <p:sp>
+        <p:nvSpPr>
+          <p:cNvPr id="2" name="TextBox 1">
+            <a:extLst>
+              <a:ext uri="{FF2B5EF4-FFF2-40B4-BE49-F238E27FC236}">
+                <a16:creationId xmlns:a16="http://schemas.microsoft.com/office/drawing/2014/main" id="{59E36BB7-ED3E-2DCE-0F9B-360817608165}"/>
+              </a:ext>
+            </a:extLst>
+          </p:cNvPr>
+          <p:cNvSpPr txBox="1"/>
+          <p:nvPr/>
+        </p:nvSpPr>
+        <p:spPr>
+          <a:xfrm>
+            <a:off x="7847137" y="4335086"/>
+            <a:ext cx="2065283" cy="369332"/>
+          </a:xfrm>
+          <a:prstGeom prst="rect">
+            <a:avLst/>
+          </a:prstGeom>
+          <a:noFill/>
+        </p:spPr>
+        <p:txBody>
+          <a:bodyPr wrap="square" rtlCol="0">
+            <a:spAutoFit/>
+          </a:bodyPr>
+          <a:lstStyle/>
+          <a:p>
+            <a:pPr algn="ctr"/>
+            <a:r>
+              <a:rPr lang="en-US" altLang="ko-KR" b="1" dirty="0"/>
+              <a:t>&lt; print </a:t>
+            </a:r>
+            <a:r>
+              <a:rPr lang="ko-KR" altLang="en-US" b="1" dirty="0"/>
+              <a:t>결과 확인 </a:t>
+            </a:r>
+            <a:r>
+              <a:rPr lang="en-US" altLang="ko-KR" b="1" dirty="0"/>
+              <a:t>&gt;</a:t>
+            </a:r>
+            <a:endParaRPr lang="ko-KR" altLang="en-US" b="1" dirty="0"/>
+          </a:p>
+        </p:txBody>
+      </p:sp>
     </p:spTree>
     <p:extLst>
       <p:ext uri="{BB962C8B-B14F-4D97-AF65-F5344CB8AC3E}">
@@ -4916,7 +5366,7 @@
         </p:blipFill>
         <p:spPr>
           <a:xfrm>
-            <a:off x="7899759" y="361107"/>
+            <a:off x="7899759" y="778893"/>
             <a:ext cx="3899309" cy="5745779"/>
           </a:xfrm>
           <a:prstGeom prst="rect">
@@ -4924,6 +5374,51 @@
           </a:prstGeom>
         </p:spPr>
       </p:pic>
+      <p:sp>
+        <p:nvSpPr>
+          <p:cNvPr id="2" name="TextBox 1">
+            <a:extLst>
+              <a:ext uri="{FF2B5EF4-FFF2-40B4-BE49-F238E27FC236}">
+                <a16:creationId xmlns:a16="http://schemas.microsoft.com/office/drawing/2014/main" id="{A3CF6C55-1AFD-CBF5-8EBF-066CC5BB4B6D}"/>
+              </a:ext>
+            </a:extLst>
+          </p:cNvPr>
+          <p:cNvSpPr txBox="1"/>
+          <p:nvPr/>
+        </p:nvSpPr>
+        <p:spPr>
+          <a:xfrm>
+            <a:off x="7811800" y="361107"/>
+            <a:ext cx="2065283" cy="369332"/>
+          </a:xfrm>
+          <a:prstGeom prst="rect">
+            <a:avLst/>
+          </a:prstGeom>
+          <a:noFill/>
+        </p:spPr>
+        <p:txBody>
+          <a:bodyPr wrap="square" rtlCol="0">
+            <a:spAutoFit/>
+          </a:bodyPr>
+          <a:lstStyle/>
+          <a:p>
+            <a:pPr algn="ctr"/>
+            <a:r>
+              <a:rPr lang="en-US" altLang="ko-KR" b="1" dirty="0"/>
+              <a:t>&lt; print </a:t>
+            </a:r>
+            <a:r>
+              <a:rPr lang="ko-KR" altLang="en-US" b="1" dirty="0"/>
+              <a:t>결과 확인 </a:t>
+            </a:r>
+            <a:r>
+              <a:rPr lang="en-US" altLang="ko-KR" b="1" dirty="0"/>
+              <a:t>&gt;</a:t>
+            </a:r>
+            <a:endParaRPr lang="ko-KR" altLang="en-US" b="1" dirty="0"/>
+          </a:p>
+        </p:txBody>
+      </p:sp>
     </p:spTree>
     <p:extLst>
       <p:ext uri="{BB962C8B-B14F-4D97-AF65-F5344CB8AC3E}">
@@ -5131,7 +5626,7 @@
         </p:blipFill>
         <p:spPr>
           <a:xfrm>
-            <a:off x="7872850" y="369948"/>
+            <a:off x="7872850" y="771968"/>
             <a:ext cx="3971779" cy="5793996"/>
           </a:xfrm>
           <a:prstGeom prst="rect">
@@ -5139,6 +5634,51 @@
           </a:prstGeom>
         </p:spPr>
       </p:pic>
+      <p:sp>
+        <p:nvSpPr>
+          <p:cNvPr id="2" name="TextBox 1">
+            <a:extLst>
+              <a:ext uri="{FF2B5EF4-FFF2-40B4-BE49-F238E27FC236}">
+                <a16:creationId xmlns:a16="http://schemas.microsoft.com/office/drawing/2014/main" id="{C1D1A34E-8042-58C3-594E-81AA91ADC06F}"/>
+              </a:ext>
+            </a:extLst>
+          </p:cNvPr>
+          <p:cNvSpPr txBox="1"/>
+          <p:nvPr/>
+        </p:nvSpPr>
+        <p:spPr>
+          <a:xfrm>
+            <a:off x="7872850" y="369948"/>
+            <a:ext cx="2065283" cy="369332"/>
+          </a:xfrm>
+          <a:prstGeom prst="rect">
+            <a:avLst/>
+          </a:prstGeom>
+          <a:noFill/>
+        </p:spPr>
+        <p:txBody>
+          <a:bodyPr wrap="square" rtlCol="0">
+            <a:spAutoFit/>
+          </a:bodyPr>
+          <a:lstStyle/>
+          <a:p>
+            <a:pPr algn="ctr"/>
+            <a:r>
+              <a:rPr lang="en-US" altLang="ko-KR" b="1" dirty="0"/>
+              <a:t>&lt; print </a:t>
+            </a:r>
+            <a:r>
+              <a:rPr lang="ko-KR" altLang="en-US" b="1" dirty="0"/>
+              <a:t>결과 확인 </a:t>
+            </a:r>
+            <a:r>
+              <a:rPr lang="en-US" altLang="ko-KR" b="1" dirty="0"/>
+              <a:t>&gt;</a:t>
+            </a:r>
+            <a:endParaRPr lang="ko-KR" altLang="en-US" b="1" dirty="0"/>
+          </a:p>
+        </p:txBody>
+      </p:sp>
     </p:spTree>
     <p:extLst>
       <p:ext uri="{BB962C8B-B14F-4D97-AF65-F5344CB8AC3E}">
@@ -5205,7 +5745,7 @@
                 </a:solidFill>
                 <a:latin typeface="+mn-ea"/>
               </a:rPr>
-              <a:t>&lt; </a:t>
+              <a:t>&lt; 6</a:t>
             </a:r>
             <a:r>
               <a:rPr lang="ko-KR" altLang="en-US" sz="4800" b="1" dirty="0">
@@ -5214,7 +5754,7 @@
                 </a:solidFill>
                 <a:latin typeface="+mn-ea"/>
               </a:rPr>
-              <a:t>정리하기 </a:t>
+              <a:t>강 정리하기 </a:t>
             </a:r>
             <a:r>
               <a:rPr lang="en-US" altLang="ko-KR" sz="4800" b="1" dirty="0">
@@ -5548,8 +6088,8 @@
           </a:prstGeom>
         </p:spPr>
       </p:pic>
-      <mc:AlternateContent xmlns:mc="http://schemas.openxmlformats.org/markup-compatibility/2006">
-        <mc:Choice xmlns:p14="http://schemas.microsoft.com/office/powerpoint/2010/main" Requires="p14">
+      <mc:AlternateContent xmlns:mc="http://schemas.openxmlformats.org/markup-compatibility/2006" xmlns:p14="http://schemas.microsoft.com/office/powerpoint/2010/main">
+        <mc:Choice Requires="p14">
           <p:contentPart p14:bwMode="auto" r:id="rId4">
             <p14:nvContentPartPr>
               <p14:cNvPr id="2" name="잉크 1">
@@ -5568,7 +6108,7 @@
             </p14:xfrm>
           </p:contentPart>
         </mc:Choice>
-        <mc:Fallback>
+        <mc:Fallback xmlns="">
           <p:pic>
             <p:nvPicPr>
               <p:cNvPr id="2" name="잉크 1">
@@ -5599,6 +6139,51 @@
           </p:pic>
         </mc:Fallback>
       </mc:AlternateContent>
+      <p:sp>
+        <p:nvSpPr>
+          <p:cNvPr id="4" name="TextBox 3">
+            <a:extLst>
+              <a:ext uri="{FF2B5EF4-FFF2-40B4-BE49-F238E27FC236}">
+                <a16:creationId xmlns:a16="http://schemas.microsoft.com/office/drawing/2014/main" id="{E7ECC02E-96A5-D9D4-72CB-F7BBE1C2B97C}"/>
+              </a:ext>
+            </a:extLst>
+          </p:cNvPr>
+          <p:cNvSpPr txBox="1"/>
+          <p:nvPr/>
+        </p:nvSpPr>
+        <p:spPr>
+          <a:xfrm>
+            <a:off x="538285" y="4944528"/>
+            <a:ext cx="2065283" cy="369332"/>
+          </a:xfrm>
+          <a:prstGeom prst="rect">
+            <a:avLst/>
+          </a:prstGeom>
+          <a:noFill/>
+        </p:spPr>
+        <p:txBody>
+          <a:bodyPr wrap="square" rtlCol="0">
+            <a:spAutoFit/>
+          </a:bodyPr>
+          <a:lstStyle/>
+          <a:p>
+            <a:pPr algn="ctr"/>
+            <a:r>
+              <a:rPr lang="en-US" altLang="ko-KR" b="1" dirty="0"/>
+              <a:t>&lt; print </a:t>
+            </a:r>
+            <a:r>
+              <a:rPr lang="ko-KR" altLang="en-US" b="1" dirty="0"/>
+              <a:t>결과 확인 </a:t>
+            </a:r>
+            <a:r>
+              <a:rPr lang="en-US" altLang="ko-KR" b="1" dirty="0"/>
+              <a:t>&gt;</a:t>
+            </a:r>
+            <a:endParaRPr lang="ko-KR" altLang="en-US" b="1" dirty="0"/>
+          </a:p>
+        </p:txBody>
+      </p:sp>
     </p:spTree>
     <p:extLst>
       <p:ext uri="{BB962C8B-B14F-4D97-AF65-F5344CB8AC3E}">
@@ -5681,7 +6266,7 @@
         </p:blipFill>
         <p:spPr>
           <a:xfrm>
-            <a:off x="7533112" y="383675"/>
+            <a:off x="7533112" y="722634"/>
             <a:ext cx="4266803" cy="1379811"/>
           </a:xfrm>
           <a:prstGeom prst="rect">
@@ -5689,6 +6274,51 @@
           </a:prstGeom>
         </p:spPr>
       </p:pic>
+      <p:sp>
+        <p:nvSpPr>
+          <p:cNvPr id="2" name="TextBox 1">
+            <a:extLst>
+              <a:ext uri="{FF2B5EF4-FFF2-40B4-BE49-F238E27FC236}">
+                <a16:creationId xmlns:a16="http://schemas.microsoft.com/office/drawing/2014/main" id="{172065D8-A3E4-E22E-FA00-12650B96917A}"/>
+              </a:ext>
+            </a:extLst>
+          </p:cNvPr>
+          <p:cNvSpPr txBox="1"/>
+          <p:nvPr/>
+        </p:nvSpPr>
+        <p:spPr>
+          <a:xfrm>
+            <a:off x="7533112" y="383675"/>
+            <a:ext cx="2065283" cy="369332"/>
+          </a:xfrm>
+          <a:prstGeom prst="rect">
+            <a:avLst/>
+          </a:prstGeom>
+          <a:noFill/>
+        </p:spPr>
+        <p:txBody>
+          <a:bodyPr wrap="square" rtlCol="0">
+            <a:spAutoFit/>
+          </a:bodyPr>
+          <a:lstStyle/>
+          <a:p>
+            <a:pPr algn="ctr"/>
+            <a:r>
+              <a:rPr lang="en-US" altLang="ko-KR" b="1" dirty="0"/>
+              <a:t>&lt; print </a:t>
+            </a:r>
+            <a:r>
+              <a:rPr lang="ko-KR" altLang="en-US" b="1" dirty="0"/>
+              <a:t>결과 확인 </a:t>
+            </a:r>
+            <a:r>
+              <a:rPr lang="en-US" altLang="ko-KR" b="1" dirty="0"/>
+              <a:t>&gt;</a:t>
+            </a:r>
+            <a:endParaRPr lang="ko-KR" altLang="en-US" b="1" dirty="0"/>
+          </a:p>
+        </p:txBody>
+      </p:sp>
     </p:spTree>
     <p:extLst>
       <p:ext uri="{BB962C8B-B14F-4D97-AF65-F5344CB8AC3E}">
@@ -5779,8 +6409,8 @@
           </a:prstGeom>
         </p:spPr>
       </p:pic>
-      <mc:AlternateContent xmlns:mc="http://schemas.openxmlformats.org/markup-compatibility/2006">
-        <mc:Choice xmlns:p14="http://schemas.microsoft.com/office/powerpoint/2010/main" Requires="p14">
+      <mc:AlternateContent xmlns:mc="http://schemas.openxmlformats.org/markup-compatibility/2006" xmlns:p14="http://schemas.microsoft.com/office/powerpoint/2010/main">
+        <mc:Choice Requires="p14">
           <p:contentPart p14:bwMode="auto" r:id="rId4">
             <p14:nvContentPartPr>
               <p14:cNvPr id="2" name="잉크 1">
@@ -5799,7 +6429,7 @@
             </p14:xfrm>
           </p:contentPart>
         </mc:Choice>
-        <mc:Fallback>
+        <mc:Fallback xmlns="">
           <p:pic>
             <p:nvPicPr>
               <p:cNvPr id="2" name="잉크 1">
@@ -5830,6 +6460,51 @@
           </p:pic>
         </mc:Fallback>
       </mc:AlternateContent>
+      <p:sp>
+        <p:nvSpPr>
+          <p:cNvPr id="4" name="TextBox 3">
+            <a:extLst>
+              <a:ext uri="{FF2B5EF4-FFF2-40B4-BE49-F238E27FC236}">
+                <a16:creationId xmlns:a16="http://schemas.microsoft.com/office/drawing/2014/main" id="{D70C7EB4-2645-50BE-6F06-259CA21773CA}"/>
+              </a:ext>
+            </a:extLst>
+          </p:cNvPr>
+          <p:cNvSpPr txBox="1"/>
+          <p:nvPr/>
+        </p:nvSpPr>
+        <p:spPr>
+          <a:xfrm>
+            <a:off x="517132" y="3703585"/>
+            <a:ext cx="2065283" cy="369332"/>
+          </a:xfrm>
+          <a:prstGeom prst="rect">
+            <a:avLst/>
+          </a:prstGeom>
+          <a:noFill/>
+        </p:spPr>
+        <p:txBody>
+          <a:bodyPr wrap="square" rtlCol="0">
+            <a:spAutoFit/>
+          </a:bodyPr>
+          <a:lstStyle/>
+          <a:p>
+            <a:pPr algn="ctr"/>
+            <a:r>
+              <a:rPr lang="en-US" altLang="ko-KR" b="1" dirty="0"/>
+              <a:t>&lt; print </a:t>
+            </a:r>
+            <a:r>
+              <a:rPr lang="ko-KR" altLang="en-US" b="1" dirty="0"/>
+              <a:t>결과 확인 </a:t>
+            </a:r>
+            <a:r>
+              <a:rPr lang="en-US" altLang="ko-KR" b="1" dirty="0"/>
+              <a:t>&gt;</a:t>
+            </a:r>
+            <a:endParaRPr lang="ko-KR" altLang="en-US" b="1" dirty="0"/>
+          </a:p>
+        </p:txBody>
+      </p:sp>
     </p:spTree>
     <p:extLst>
       <p:ext uri="{BB962C8B-B14F-4D97-AF65-F5344CB8AC3E}">
@@ -5920,8 +6595,8 @@
           </a:prstGeom>
         </p:spPr>
       </p:pic>
-      <mc:AlternateContent xmlns:mc="http://schemas.openxmlformats.org/markup-compatibility/2006">
-        <mc:Choice xmlns:p14="http://schemas.microsoft.com/office/powerpoint/2010/main" Requires="p14">
+      <mc:AlternateContent xmlns:mc="http://schemas.openxmlformats.org/markup-compatibility/2006" xmlns:p14="http://schemas.microsoft.com/office/powerpoint/2010/main">
+        <mc:Choice Requires="p14">
           <p:contentPart p14:bwMode="auto" r:id="rId4">
             <p14:nvContentPartPr>
               <p14:cNvPr id="2" name="잉크 1">
@@ -5940,7 +6615,7 @@
             </p14:xfrm>
           </p:contentPart>
         </mc:Choice>
-        <mc:Fallback>
+        <mc:Fallback xmlns="">
           <p:pic>
             <p:nvPicPr>
               <p:cNvPr id="2" name="잉크 1">
@@ -5971,6 +6646,51 @@
           </p:pic>
         </mc:Fallback>
       </mc:AlternateContent>
+      <p:sp>
+        <p:nvSpPr>
+          <p:cNvPr id="4" name="TextBox 3">
+            <a:extLst>
+              <a:ext uri="{FF2B5EF4-FFF2-40B4-BE49-F238E27FC236}">
+                <a16:creationId xmlns:a16="http://schemas.microsoft.com/office/drawing/2014/main" id="{CF022628-8160-CD14-C3AB-A4618E20ED50}"/>
+              </a:ext>
+            </a:extLst>
+          </p:cNvPr>
+          <p:cNvSpPr txBox="1"/>
+          <p:nvPr/>
+        </p:nvSpPr>
+        <p:spPr>
+          <a:xfrm>
+            <a:off x="471131" y="3654282"/>
+            <a:ext cx="2065283" cy="369332"/>
+          </a:xfrm>
+          <a:prstGeom prst="rect">
+            <a:avLst/>
+          </a:prstGeom>
+          <a:noFill/>
+        </p:spPr>
+        <p:txBody>
+          <a:bodyPr wrap="square" rtlCol="0">
+            <a:spAutoFit/>
+          </a:bodyPr>
+          <a:lstStyle/>
+          <a:p>
+            <a:pPr algn="ctr"/>
+            <a:r>
+              <a:rPr lang="en-US" altLang="ko-KR" b="1" dirty="0"/>
+              <a:t>&lt; print </a:t>
+            </a:r>
+            <a:r>
+              <a:rPr lang="ko-KR" altLang="en-US" b="1" dirty="0"/>
+              <a:t>결과 확인 </a:t>
+            </a:r>
+            <a:r>
+              <a:rPr lang="en-US" altLang="ko-KR" b="1" dirty="0"/>
+              <a:t>&gt;</a:t>
+            </a:r>
+            <a:endParaRPr lang="ko-KR" altLang="en-US" b="1" dirty="0"/>
+          </a:p>
+        </p:txBody>
+      </p:sp>
     </p:spTree>
     <p:extLst>
       <p:ext uri="{BB962C8B-B14F-4D97-AF65-F5344CB8AC3E}">
@@ -6053,7 +6773,7 @@
         </p:blipFill>
         <p:spPr>
           <a:xfrm>
-            <a:off x="467150" y="2671846"/>
+            <a:off x="467149" y="2818324"/>
             <a:ext cx="6717420" cy="814234"/>
           </a:xfrm>
           <a:prstGeom prst="rect">
@@ -6113,7 +6833,7 @@
         </p:blipFill>
         <p:spPr>
           <a:xfrm>
-            <a:off x="467150" y="5248645"/>
+            <a:off x="467148" y="5348075"/>
             <a:ext cx="6368288" cy="653158"/>
           </a:xfrm>
           <a:prstGeom prst="rect">
@@ -6121,6 +6841,96 @@
           </a:prstGeom>
         </p:spPr>
       </p:pic>
+      <p:sp>
+        <p:nvSpPr>
+          <p:cNvPr id="2" name="TextBox 1">
+            <a:extLst>
+              <a:ext uri="{FF2B5EF4-FFF2-40B4-BE49-F238E27FC236}">
+                <a16:creationId xmlns:a16="http://schemas.microsoft.com/office/drawing/2014/main" id="{00FA49A2-D413-04F3-A317-5CC11A466E5B}"/>
+              </a:ext>
+            </a:extLst>
+          </p:cNvPr>
+          <p:cNvSpPr txBox="1"/>
+          <p:nvPr/>
+        </p:nvSpPr>
+        <p:spPr>
+          <a:xfrm>
+            <a:off x="467149" y="2571187"/>
+            <a:ext cx="2065283" cy="369332"/>
+          </a:xfrm>
+          <a:prstGeom prst="rect">
+            <a:avLst/>
+          </a:prstGeom>
+          <a:noFill/>
+        </p:spPr>
+        <p:txBody>
+          <a:bodyPr wrap="square" rtlCol="0">
+            <a:spAutoFit/>
+          </a:bodyPr>
+          <a:lstStyle/>
+          <a:p>
+            <a:pPr algn="ctr"/>
+            <a:r>
+              <a:rPr lang="en-US" altLang="ko-KR" b="1" dirty="0"/>
+              <a:t>&lt; print </a:t>
+            </a:r>
+            <a:r>
+              <a:rPr lang="ko-KR" altLang="en-US" b="1" dirty="0"/>
+              <a:t>결과 확인 </a:t>
+            </a:r>
+            <a:r>
+              <a:rPr lang="en-US" altLang="ko-KR" b="1" dirty="0"/>
+              <a:t>&gt;</a:t>
+            </a:r>
+            <a:endParaRPr lang="ko-KR" altLang="en-US" b="1" dirty="0"/>
+          </a:p>
+        </p:txBody>
+      </p:sp>
+      <p:sp>
+        <p:nvSpPr>
+          <p:cNvPr id="4" name="TextBox 3">
+            <a:extLst>
+              <a:ext uri="{FF2B5EF4-FFF2-40B4-BE49-F238E27FC236}">
+                <a16:creationId xmlns:a16="http://schemas.microsoft.com/office/drawing/2014/main" id="{02CFD39F-5C54-65C0-93CA-06ED318EBB51}"/>
+              </a:ext>
+            </a:extLst>
+          </p:cNvPr>
+          <p:cNvSpPr txBox="1"/>
+          <p:nvPr/>
+        </p:nvSpPr>
+        <p:spPr>
+          <a:xfrm>
+            <a:off x="467148" y="4955689"/>
+            <a:ext cx="2065283" cy="369332"/>
+          </a:xfrm>
+          <a:prstGeom prst="rect">
+            <a:avLst/>
+          </a:prstGeom>
+          <a:noFill/>
+        </p:spPr>
+        <p:txBody>
+          <a:bodyPr wrap="square" rtlCol="0">
+            <a:spAutoFit/>
+          </a:bodyPr>
+          <a:lstStyle/>
+          <a:p>
+            <a:pPr algn="ctr"/>
+            <a:r>
+              <a:rPr lang="en-US" altLang="ko-KR" b="1" dirty="0"/>
+              <a:t>&lt; print </a:t>
+            </a:r>
+            <a:r>
+              <a:rPr lang="ko-KR" altLang="en-US" b="1" dirty="0"/>
+              <a:t>결과 확인 </a:t>
+            </a:r>
+            <a:r>
+              <a:rPr lang="en-US" altLang="ko-KR" b="1" dirty="0"/>
+              <a:t>&gt;</a:t>
+            </a:r>
+            <a:endParaRPr lang="ko-KR" altLang="en-US" b="1" dirty="0"/>
+          </a:p>
+        </p:txBody>
+      </p:sp>
     </p:spTree>
     <p:extLst>
       <p:ext uri="{BB962C8B-B14F-4D97-AF65-F5344CB8AC3E}">
